--- a/presentation-source/15-Conclusions.pptx
+++ b/presentation-source/15-Conclusions.pptx
@@ -5,28 +5,29 @@
     <p:sldMasterId id="2147483648" r:id="rId1"/>
   </p:sldMasterIdLst>
   <p:notesMasterIdLst>
-    <p:notesMasterId r:id="rId21"/>
+    <p:notesMasterId r:id="rId22"/>
   </p:notesMasterIdLst>
   <p:sldIdLst>
     <p:sldId id="256" r:id="rId2"/>
     <p:sldId id="257" r:id="rId3"/>
     <p:sldId id="259" r:id="rId4"/>
-    <p:sldId id="260" r:id="rId5"/>
-    <p:sldId id="261" r:id="rId6"/>
-    <p:sldId id="262" r:id="rId7"/>
-    <p:sldId id="267" r:id="rId8"/>
-    <p:sldId id="275" r:id="rId9"/>
-    <p:sldId id="263" r:id="rId10"/>
-    <p:sldId id="264" r:id="rId11"/>
-    <p:sldId id="265" r:id="rId12"/>
-    <p:sldId id="266" r:id="rId13"/>
-    <p:sldId id="268" r:id="rId14"/>
-    <p:sldId id="269" r:id="rId15"/>
-    <p:sldId id="270" r:id="rId16"/>
-    <p:sldId id="274" r:id="rId17"/>
-    <p:sldId id="271" r:id="rId18"/>
-    <p:sldId id="272" r:id="rId19"/>
-    <p:sldId id="273" r:id="rId20"/>
+    <p:sldId id="262" r:id="rId5"/>
+    <p:sldId id="260" r:id="rId6"/>
+    <p:sldId id="261" r:id="rId7"/>
+    <p:sldId id="275" r:id="rId8"/>
+    <p:sldId id="263" r:id="rId9"/>
+    <p:sldId id="264" r:id="rId10"/>
+    <p:sldId id="265" r:id="rId11"/>
+    <p:sldId id="281" r:id="rId12"/>
+    <p:sldId id="280" r:id="rId13"/>
+    <p:sldId id="266" r:id="rId14"/>
+    <p:sldId id="268" r:id="rId15"/>
+    <p:sldId id="269" r:id="rId16"/>
+    <p:sldId id="270" r:id="rId17"/>
+    <p:sldId id="274" r:id="rId18"/>
+    <p:sldId id="271" r:id="rId19"/>
+    <p:sldId id="272" r:id="rId20"/>
+    <p:sldId id="273" r:id="rId21"/>
   </p:sldIdLst>
   <p:sldSz cx="9144000" cy="6858000" type="screen4x3"/>
   <p:notesSz cx="6858000" cy="9144000"/>
@@ -174,7 +175,7 @@
           <a:lstStyle>
             <a:lvl1pPr algn="l">
               <a:defRPr sz="1200">
-                <a:latin typeface="Calisto MT"/>
+                <a:latin typeface="Montserrat"/>
               </a:defRPr>
             </a:lvl1pPr>
           </a:lstStyle>
@@ -207,7 +208,7 @@
           <a:lstStyle>
             <a:lvl1pPr algn="r">
               <a:defRPr sz="1200">
-                <a:latin typeface="Calisto MT"/>
+                <a:latin typeface="Montserrat"/>
               </a:defRPr>
             </a:lvl1pPr>
           </a:lstStyle>
@@ -215,7 +216,7 @@
             <a:fld id="{7307762F-A706-E543-A832-3C298AA3103F}" type="datetimeFigureOut">
               <a:rPr lang="en-US" smtClean="0"/>
               <a:pPr/>
-              <a:t>10/09/15</a:t>
+              <a:t>10/06/16</a:t>
             </a:fld>
             <a:endParaRPr lang="en-US" dirty="0"/>
           </a:p>
@@ -338,7 +339,7 @@
           <a:lstStyle>
             <a:lvl1pPr algn="l">
               <a:defRPr sz="1200">
-                <a:latin typeface="Calisto MT"/>
+                <a:latin typeface="Montserrat"/>
               </a:defRPr>
             </a:lvl1pPr>
           </a:lstStyle>
@@ -371,7 +372,7 @@
           <a:lstStyle>
             <a:lvl1pPr algn="r">
               <a:defRPr sz="1200">
-                <a:latin typeface="Calisto MT"/>
+                <a:latin typeface="Montserrat"/>
               </a:defRPr>
             </a:lvl1pPr>
           </a:lstStyle>
@@ -399,7 +400,7 @@
         <a:solidFill>
           <a:schemeClr val="tx1"/>
         </a:solidFill>
-        <a:latin typeface="Calisto MT"/>
+        <a:latin typeface="Montserrat"/>
         <a:ea typeface="+mn-ea"/>
         <a:cs typeface="+mn-cs"/>
       </a:defRPr>
@@ -409,7 +410,7 @@
         <a:solidFill>
           <a:schemeClr val="tx1"/>
         </a:solidFill>
-        <a:latin typeface="Calisto MT"/>
+        <a:latin typeface="Montserrat"/>
         <a:ea typeface="+mn-ea"/>
         <a:cs typeface="+mn-cs"/>
       </a:defRPr>
@@ -419,7 +420,7 @@
         <a:solidFill>
           <a:schemeClr val="tx1"/>
         </a:solidFill>
-        <a:latin typeface="Calisto MT"/>
+        <a:latin typeface="Montserrat"/>
         <a:ea typeface="+mn-ea"/>
         <a:cs typeface="+mn-cs"/>
       </a:defRPr>
@@ -429,7 +430,7 @@
         <a:solidFill>
           <a:schemeClr val="tx1"/>
         </a:solidFill>
-        <a:latin typeface="Calisto MT"/>
+        <a:latin typeface="Montserrat"/>
         <a:ea typeface="+mn-ea"/>
         <a:cs typeface="+mn-cs"/>
       </a:defRPr>
@@ -439,7 +440,7 @@
         <a:solidFill>
           <a:schemeClr val="tx1"/>
         </a:solidFill>
-        <a:latin typeface="Calisto MT"/>
+        <a:latin typeface="Montserrat"/>
         <a:ea typeface="+mn-ea"/>
         <a:cs typeface="+mn-cs"/>
       </a:defRPr>
@@ -782,7 +783,7 @@
           <a:p>
             <a:fld id="{875CF0EB-321F-0749-B37A-89BBA859503C}" type="datetimeFigureOut">
               <a:rPr lang="en-US" smtClean="0"/>
-              <a:t>10/09/15</a:t>
+              <a:t>10/06/16</a:t>
             </a:fld>
             <a:endParaRPr lang="en-US"/>
           </a:p>
@@ -986,7 +987,7 @@
           <a:p>
             <a:fld id="{875CF0EB-321F-0749-B37A-89BBA859503C}" type="datetimeFigureOut">
               <a:rPr lang="en-US" smtClean="0"/>
-              <a:t>10/09/15</a:t>
+              <a:t>10/06/16</a:t>
             </a:fld>
             <a:endParaRPr lang="en-US"/>
           </a:p>
@@ -1180,7 +1181,7 @@
           <a:p>
             <a:fld id="{875CF0EB-321F-0749-B37A-89BBA859503C}" type="datetimeFigureOut">
               <a:rPr lang="en-US" smtClean="0"/>
-              <a:t>10/09/15</a:t>
+              <a:t>10/06/16</a:t>
             </a:fld>
             <a:endParaRPr lang="en-US"/>
           </a:p>
@@ -1450,7 +1451,7 @@
           <a:p>
             <a:fld id="{875CF0EB-321F-0749-B37A-89BBA859503C}" type="datetimeFigureOut">
               <a:rPr lang="en-US" smtClean="0"/>
-              <a:t>10/09/15</a:t>
+              <a:t>10/06/16</a:t>
             </a:fld>
             <a:endParaRPr lang="en-US"/>
           </a:p>
@@ -1762,7 +1763,7 @@
           <a:p>
             <a:fld id="{875CF0EB-321F-0749-B37A-89BBA859503C}" type="datetimeFigureOut">
               <a:rPr lang="en-US" smtClean="0"/>
-              <a:t>10/09/15</a:t>
+              <a:t>10/06/16</a:t>
             </a:fld>
             <a:endParaRPr lang="en-US"/>
           </a:p>
@@ -2208,7 +2209,7 @@
           <a:p>
             <a:fld id="{875CF0EB-321F-0749-B37A-89BBA859503C}" type="datetimeFigureOut">
               <a:rPr lang="en-US" smtClean="0"/>
-              <a:t>10/09/15</a:t>
+              <a:t>10/06/16</a:t>
             </a:fld>
             <a:endParaRPr lang="en-US"/>
           </a:p>
@@ -2350,7 +2351,7 @@
           <a:p>
             <a:fld id="{875CF0EB-321F-0749-B37A-89BBA859503C}" type="datetimeFigureOut">
               <a:rPr lang="en-US" smtClean="0"/>
-              <a:t>10/09/15</a:t>
+              <a:t>10/06/16</a:t>
             </a:fld>
             <a:endParaRPr lang="en-US"/>
           </a:p>
@@ -2469,7 +2470,7 @@
           <a:p>
             <a:fld id="{875CF0EB-321F-0749-B37A-89BBA859503C}" type="datetimeFigureOut">
               <a:rPr lang="en-US" smtClean="0"/>
-              <a:t>10/09/15</a:t>
+              <a:t>10/06/16</a:t>
             </a:fld>
             <a:endParaRPr lang="en-US"/>
           </a:p>
@@ -2770,7 +2771,7 @@
           <a:p>
             <a:fld id="{875CF0EB-321F-0749-B37A-89BBA859503C}" type="datetimeFigureOut">
               <a:rPr lang="en-US" smtClean="0"/>
-              <a:t>10/09/15</a:t>
+              <a:t>10/06/16</a:t>
             </a:fld>
             <a:endParaRPr lang="en-US"/>
           </a:p>
@@ -3047,7 +3048,7 @@
           <a:p>
             <a:fld id="{875CF0EB-321F-0749-B37A-89BBA859503C}" type="datetimeFigureOut">
               <a:rPr lang="en-US" smtClean="0"/>
-              <a:t>10/09/15</a:t>
+              <a:t>10/06/16</a:t>
             </a:fld>
             <a:endParaRPr lang="en-US"/>
           </a:p>
@@ -3243,7 +3244,7 @@
       </p:sp>
       <p:sp>
         <p:nvSpPr>
-          <p:cNvPr id="21" name="TextBox 20"/>
+          <p:cNvPr id="6" name="TextBox 5"/>
           <p:cNvSpPr txBox="1">
             <a:spLocks noChangeArrowheads="1"/>
           </p:cNvSpPr>
@@ -3251,8 +3252,8 @@
         </p:nvSpPr>
         <p:spPr bwMode="auto">
           <a:xfrm>
-            <a:off x="1046163" y="6092834"/>
-            <a:ext cx="6595551" cy="707886"/>
+            <a:off x="1168930" y="6344711"/>
+            <a:ext cx="4942379" cy="415498"/>
           </a:xfrm>
           <a:prstGeom prst="rect">
             <a:avLst/>
@@ -3424,10 +3425,22 @@
               <a:defRPr/>
             </a:pPr>
             <a:r>
-              <a:rPr lang="en-US" sz="1000" dirty="0" smtClean="0">
-                <a:latin typeface="Calisto MT"/>
+              <a:rPr lang="en-US" sz="700" dirty="0" smtClean="0">
+                <a:latin typeface="Montserrat"/>
               </a:rPr>
-              <a:t>© Paul Fremantle 2012.  Portions © Jeremy Gibbons 2010, © WSO2 2005-2012 used with permission of the author(s).</a:t>
+              <a:t>© Paul Fremantle </a:t>
+            </a:r>
+            <a:r>
+              <a:rPr lang="en-US" sz="700" dirty="0" smtClean="0">
+                <a:latin typeface="Montserrat"/>
+              </a:rPr>
+              <a:t>2016 except where credited elsewhere. </a:t>
+            </a:r>
+            <a:r>
+              <a:rPr lang="en-US" sz="700" dirty="0" smtClean="0">
+                <a:latin typeface="Montserrat"/>
+              </a:rPr>
+              <a:t> This work is licensed under a Creative Commons</a:t>
             </a:r>
           </a:p>
           <a:p>
@@ -3435,110 +3448,84 @@
               <a:defRPr/>
             </a:pPr>
             <a:r>
-              <a:rPr lang="en-US" sz="1000" dirty="0" smtClean="0">
-                <a:latin typeface="Calisto MT"/>
+              <a:rPr lang="en-US" sz="700" dirty="0" smtClean="0">
+                <a:latin typeface="Montserrat"/>
               </a:rPr>
-              <a:t>Licensed under the Creative Commons 3.0 BY-SA (Attribution-</a:t>
-            </a:r>
-            <a:r>
-              <a:rPr lang="en-US" sz="1000" dirty="0" err="1" smtClean="0">
-                <a:latin typeface="Calisto MT"/>
+              <a:t> Attribution-</a:t>
+            </a:r>
+            <a:r>
+              <a:rPr lang="en-US" sz="700" dirty="0" err="1" smtClean="0">
+                <a:latin typeface="Montserrat"/>
               </a:rPr>
-              <a:t>Sharealike</a:t>
-            </a:r>
-            <a:r>
-              <a:rPr lang="en-US" sz="1000" dirty="0" smtClean="0">
-                <a:latin typeface="Calisto MT"/>
+              <a:t>NonCommercial</a:t>
+            </a:r>
+            <a:r>
+              <a:rPr lang="en-US" sz="700" dirty="0" smtClean="0">
+                <a:latin typeface="Montserrat"/>
               </a:rPr>
-              <a:t>) license.</a:t>
-            </a:r>
-          </a:p>
-          <a:p>
-            <a:pPr algn="l" eaLnBrk="1" hangingPunct="1">
-              <a:defRPr/>
-            </a:pPr>
-            <a:r>
-              <a:rPr lang="en-US" sz="1000" dirty="0" smtClean="0">
-                <a:latin typeface="Calisto MT"/>
+              <a:t>-</a:t>
+            </a:r>
+            <a:r>
+              <a:rPr lang="en-US" sz="700" dirty="0" err="1" smtClean="0">
+                <a:latin typeface="Montserrat"/>
               </a:rPr>
-              <a:t>See </a:t>
-            </a:r>
-            <a:r>
-              <a:rPr lang="en-US" sz="1000" dirty="0" smtClean="0">
-                <a:latin typeface="Calisto MT"/>
+              <a:t>ShareAlike</a:t>
+            </a:r>
+            <a:r>
+              <a:rPr lang="en-US" sz="700" dirty="0" smtClean="0">
+                <a:latin typeface="Montserrat"/>
+              </a:rPr>
+              <a:t> 4.0 International License</a:t>
+            </a:r>
+            <a:br>
+              <a:rPr lang="en-US" sz="700" dirty="0" smtClean="0">
+                <a:latin typeface="Montserrat"/>
+              </a:rPr>
+            </a:br>
+            <a:r>
+              <a:rPr lang="en-US" sz="700" dirty="0" smtClean="0">
+                <a:latin typeface="Montserrat"/>
+              </a:rPr>
+              <a:t>See  </a:t>
+            </a:r>
+            <a:r>
+              <a:rPr lang="en-US" sz="700" dirty="0" smtClean="0">
+                <a:latin typeface="Montserrat"/>
                 <a:hlinkClick r:id="rId13"/>
               </a:rPr>
-              <a:t>http://creativecommons.org/licenses/by-sa/3.0/</a:t>
-            </a:r>
-            <a:r>
-              <a:rPr lang="en-US" sz="1000" dirty="0" smtClean="0">
-                <a:latin typeface="Calisto MT"/>
+              <a:t>http://creativecommons.org/licenses/by-nc-sa/4.0/</a:t>
+            </a:r>
+            <a:r>
+              <a:rPr lang="en-US" sz="700" dirty="0" smtClean="0">
+                <a:latin typeface="Montserrat"/>
               </a:rPr>
               <a:t> </a:t>
             </a:r>
           </a:p>
-          <a:p>
-            <a:pPr algn="l" eaLnBrk="1" hangingPunct="1">
-              <a:defRPr/>
-            </a:pPr>
-            <a:endParaRPr lang="en-US" sz="1000" dirty="0" smtClean="0">
-              <a:latin typeface="Calisto MT"/>
-            </a:endParaRPr>
-          </a:p>
         </p:txBody>
       </p:sp>
       <p:pic>
         <p:nvPicPr>
-          <p:cNvPr id="24" name="Picture 23"/>
+          <p:cNvPr id="7" name="Picture 6"/>
           <p:cNvPicPr>
-            <a:picLocks noChangeAspect="1" noChangeArrowheads="1"/>
+            <a:picLocks noChangeAspect="1"/>
           </p:cNvPicPr>
           <p:nvPr userDrawn="1"/>
         </p:nvPicPr>
         <p:blipFill>
-          <a:blip r:embed="rId14">
-            <a:extLst>
-              <a:ext uri="{28A0092B-C50C-407E-A947-70E740481C1C}">
-                <a14:useLocalDpi xmlns:a14="http://schemas.microsoft.com/office/drawing/2010/main" val="0"/>
-              </a:ext>
-            </a:extLst>
-          </a:blip>
-          <a:srcRect/>
+          <a:blip r:embed="rId14"/>
           <a:stretch>
             <a:fillRect/>
           </a:stretch>
         </p:blipFill>
-        <p:spPr bwMode="auto">
-          <a:xfrm>
-            <a:off x="320764" y="6254746"/>
-            <a:ext cx="725399" cy="258097"/>
+        <p:spPr>
+          <a:xfrm>
+            <a:off x="375635" y="6428175"/>
+            <a:ext cx="792765" cy="279269"/>
           </a:xfrm>
           <a:prstGeom prst="rect">
             <a:avLst/>
           </a:prstGeom>
-          <a:noFill/>
-          <a:ln>
-            <a:noFill/>
-          </a:ln>
-          <a:extLst>
-            <a:ext uri="{909E8E84-426E-40dd-AFC4-6F175D3DCCD1}">
-              <a14:hiddenFill xmlns:a14="http://schemas.microsoft.com/office/drawing/2010/main">
-                <a:solidFill>
-                  <a:srgbClr val="FFFFFF"/>
-                </a:solidFill>
-              </a14:hiddenFill>
-            </a:ext>
-            <a:ext uri="{91240B29-F687-4f45-9708-019B960494DF}">
-              <a14:hiddenLine xmlns:a14="http://schemas.microsoft.com/office/drawing/2010/main" w="9525">
-                <a:solidFill>
-                  <a:srgbClr val="000000"/>
-                </a:solidFill>
-                <a:miter lim="800000"/>
-                <a:headEnd/>
-                <a:tailEnd/>
-              </a14:hiddenLine>
-            </a:ext>
-          </a:extLst>
         </p:spPr>
       </p:pic>
     </p:spTree>
@@ -3573,7 +3560,7 @@
           <a:solidFill>
             <a:schemeClr val="tx1"/>
           </a:solidFill>
-          <a:latin typeface="Calisto MT"/>
+          <a:latin typeface="Montserrat"/>
           <a:ea typeface="+mj-ea"/>
           <a:cs typeface="+mj-cs"/>
         </a:defRPr>
@@ -3590,7 +3577,7 @@
           <a:solidFill>
             <a:schemeClr val="tx1"/>
           </a:solidFill>
-          <a:latin typeface="Calisto MT"/>
+          <a:latin typeface="Montserrat"/>
           <a:ea typeface="+mn-ea"/>
           <a:cs typeface="+mn-cs"/>
         </a:defRPr>
@@ -3605,7 +3592,7 @@
           <a:solidFill>
             <a:schemeClr val="tx1"/>
           </a:solidFill>
-          <a:latin typeface="Calisto MT"/>
+          <a:latin typeface="Montserrat"/>
           <a:ea typeface="+mn-ea"/>
           <a:cs typeface="+mn-cs"/>
         </a:defRPr>
@@ -3620,7 +3607,7 @@
           <a:solidFill>
             <a:schemeClr val="tx1"/>
           </a:solidFill>
-          <a:latin typeface="Calisto MT"/>
+          <a:latin typeface="Montserrat"/>
           <a:ea typeface="+mn-ea"/>
           <a:cs typeface="+mn-cs"/>
         </a:defRPr>
@@ -3635,7 +3622,7 @@
           <a:solidFill>
             <a:schemeClr val="tx1"/>
           </a:solidFill>
-          <a:latin typeface="Calisto MT"/>
+          <a:latin typeface="Montserrat"/>
           <a:ea typeface="+mn-ea"/>
           <a:cs typeface="+mn-cs"/>
         </a:defRPr>
@@ -3650,7 +3637,7 @@
           <a:solidFill>
             <a:schemeClr val="tx1"/>
           </a:solidFill>
-          <a:latin typeface="Calisto MT"/>
+          <a:latin typeface="Montserrat"/>
           <a:ea typeface="+mn-ea"/>
           <a:cs typeface="+mn-cs"/>
         </a:defRPr>
@@ -3849,7 +3836,7 @@
           <a:p>
             <a:r>
               <a:rPr lang="en-US" dirty="0" smtClean="0"/>
-              <a:t>Conclusions</a:t>
+              <a:t>Conclusions, Evolution of SOA, Futures</a:t>
             </a:r>
             <a:endParaRPr lang="en-US" dirty="0"/>
           </a:p>
@@ -3867,7 +3854,9 @@
         </p:nvSpPr>
         <p:spPr/>
         <p:txBody>
-          <a:bodyPr/>
+          <a:bodyPr>
+            <a:normAutofit fontScale="92500" lnSpcReduction="20000"/>
+          </a:bodyPr>
           <a:lstStyle/>
           <a:p>
             <a:r>
@@ -3893,7 +3882,7 @@
                 <a:ea typeface="ヒラギノ角ゴ ProN W3" charset="0"/>
                 <a:cs typeface="ヒラギノ角ゴ ProN W3" charset="0"/>
               </a:rPr>
-              <a:t>Sep 2015</a:t>
+              <a:t>June 2016</a:t>
             </a:r>
             <a:endParaRPr lang="en-US" dirty="0">
               <a:ea typeface="ヒラギノ角ゴ ProN W3" charset="0"/>
@@ -3959,7 +3948,15 @@
           <a:p>
             <a:r>
               <a:rPr lang="en-US" dirty="0" smtClean="0"/>
-              <a:t>Runtime Governance</a:t>
+              <a:t>Services </a:t>
+            </a:r>
+            <a:r>
+              <a:rPr lang="en-US" dirty="0" err="1" smtClean="0"/>
+              <a:t>vs</a:t>
+            </a:r>
+            <a:r>
+              <a:rPr lang="en-US" dirty="0" smtClean="0"/>
+              <a:t> APIs</a:t>
             </a:r>
             <a:endParaRPr lang="en-US" dirty="0"/>
           </a:p>
@@ -3982,34 +3979,39 @@
           <a:p>
             <a:r>
               <a:rPr lang="en-US" dirty="0" smtClean="0"/>
-              <a:t>Monitoring</a:t>
-            </a:r>
-          </a:p>
-          <a:p>
-            <a:r>
-              <a:rPr lang="en-US" dirty="0" smtClean="0"/>
-              <a:t>SLA management</a:t>
-            </a:r>
-          </a:p>
-          <a:p>
-            <a:r>
-              <a:rPr lang="en-US" dirty="0" smtClean="0"/>
-              <a:t>Correlation of activities into </a:t>
-            </a:r>
-            <a:r>
-              <a:rPr lang="en-US" dirty="0" smtClean="0"/>
-              <a:t>flows</a:t>
-            </a:r>
-          </a:p>
-          <a:p>
-            <a:r>
-              <a:rPr lang="en-US" dirty="0" smtClean="0"/>
-              <a:t>How do you maintain a running application when it depends on 10s, 100s or 1000s of remote services?</a:t>
-            </a:r>
-            <a:endParaRPr lang="en-US" dirty="0" smtClean="0"/>
-          </a:p>
-          <a:p>
-            <a:pPr marL="0" indent="0">
+              <a:t>Focus on the consumer</a:t>
+            </a:r>
+          </a:p>
+          <a:p>
+            <a:pPr lvl="1"/>
+            <a:r>
+              <a:rPr lang="en-US" dirty="0" smtClean="0"/>
+              <a:t>Self-signup and subscription</a:t>
+            </a:r>
+          </a:p>
+          <a:p>
+            <a:pPr lvl="1"/>
+            <a:r>
+              <a:rPr lang="en-US" dirty="0" smtClean="0"/>
+              <a:t>Tracking and usage</a:t>
+            </a:r>
+          </a:p>
+          <a:p>
+            <a:pPr lvl="1"/>
+            <a:r>
+              <a:rPr lang="en-US" dirty="0" smtClean="0"/>
+              <a:t>Developer portals and ease-of-use</a:t>
+            </a:r>
+          </a:p>
+          <a:p>
+            <a:pPr lvl="1"/>
+            <a:r>
+              <a:rPr lang="en-US" dirty="0" smtClean="0"/>
+              <a:t>Monetization</a:t>
+            </a:r>
+          </a:p>
+          <a:p>
+            <a:pPr marL="457200" lvl="1" indent="0">
               <a:buNone/>
             </a:pPr>
             <a:endParaRPr lang="en-US" dirty="0"/>
@@ -4019,7 +4021,7 @@
     </p:spTree>
     <p:extLst>
       <p:ext uri="{BB962C8B-B14F-4D97-AF65-F5344CB8AC3E}">
-        <p14:creationId xmlns:p14="http://schemas.microsoft.com/office/powerpoint/2010/main" val="4187341838"/>
+        <p14:creationId xmlns:p14="http://schemas.microsoft.com/office/powerpoint/2010/main" val="885734421"/>
       </p:ext>
     </p:extLst>
   </p:cSld>
@@ -4046,89 +4048,60 @@
           <a:chExt cx="0" cy="0"/>
         </a:xfrm>
       </p:grpSpPr>
-      <p:sp>
-        <p:nvSpPr>
-          <p:cNvPr id="2" name="Title 1"/>
-          <p:cNvSpPr>
-            <a:spLocks noGrp="1"/>
-          </p:cNvSpPr>
-          <p:nvPr>
-            <p:ph type="title"/>
-          </p:nvPr>
-        </p:nvSpPr>
-        <p:spPr/>
-        <p:txBody>
-          <a:bodyPr/>
-          <a:lstStyle/>
-          <a:p>
-            <a:r>
-              <a:rPr lang="en-US" dirty="0" smtClean="0"/>
-              <a:t>Services </a:t>
+      <p:pic>
+        <p:nvPicPr>
+          <p:cNvPr id="4" name="Picture 3"/>
+          <p:cNvPicPr>
+            <a:picLocks noChangeAspect="1"/>
+          </p:cNvPicPr>
+          <p:nvPr/>
+        </p:nvPicPr>
+        <p:blipFill>
+          <a:blip r:embed="rId2"/>
+          <a:stretch>
+            <a:fillRect/>
+          </a:stretch>
+        </p:blipFill>
+        <p:spPr>
+          <a:xfrm>
+            <a:off x="0" y="990600"/>
+            <a:ext cx="9144000" cy="4869180"/>
+          </a:xfrm>
+          <a:prstGeom prst="rect">
+            <a:avLst/>
+          </a:prstGeom>
+        </p:spPr>
+      </p:pic>
+      <p:sp>
+        <p:nvSpPr>
+          <p:cNvPr id="3" name="TextBox 2"/>
+          <p:cNvSpPr txBox="1"/>
+          <p:nvPr/>
+        </p:nvSpPr>
+        <p:spPr>
+          <a:xfrm>
+            <a:off x="359473" y="5807561"/>
+            <a:ext cx="1512967" cy="369332"/>
+          </a:xfrm>
+          <a:prstGeom prst="rect">
+            <a:avLst/>
+          </a:prstGeom>
+          <a:noFill/>
+        </p:spPr>
+        <p:txBody>
+          <a:bodyPr wrap="none" rtlCol="0">
+            <a:spAutoFit/>
+          </a:bodyPr>
+          <a:lstStyle/>
+          <a:p>
+            <a:r>
+              <a:rPr lang="en-US" dirty="0" smtClean="0"/>
+              <a:t>Source: </a:t>
             </a:r>
             <a:r>
               <a:rPr lang="en-US" dirty="0" err="1" smtClean="0"/>
-              <a:t>vs</a:t>
-            </a:r>
-            <a:r>
-              <a:rPr lang="en-US" dirty="0" smtClean="0"/>
-              <a:t> APIs</a:t>
-            </a:r>
-            <a:endParaRPr lang="en-US" dirty="0"/>
-          </a:p>
-        </p:txBody>
-      </p:sp>
-      <p:sp>
-        <p:nvSpPr>
-          <p:cNvPr id="3" name="Content Placeholder 2"/>
-          <p:cNvSpPr>
-            <a:spLocks noGrp="1"/>
-          </p:cNvSpPr>
-          <p:nvPr>
-            <p:ph idx="1"/>
-          </p:nvPr>
-        </p:nvSpPr>
-        <p:spPr/>
-        <p:txBody>
-          <a:bodyPr/>
-          <a:lstStyle/>
-          <a:p>
-            <a:r>
-              <a:rPr lang="en-US" dirty="0" smtClean="0"/>
-              <a:t>Focus on the consumer</a:t>
-            </a:r>
-          </a:p>
-          <a:p>
-            <a:pPr lvl="1"/>
-            <a:r>
-              <a:rPr lang="en-US" dirty="0" smtClean="0"/>
-              <a:t>Self-signup and subscription</a:t>
-            </a:r>
-          </a:p>
-          <a:p>
-            <a:pPr lvl="1"/>
-            <a:r>
-              <a:rPr lang="en-US" dirty="0" smtClean="0"/>
-              <a:t>Tracking and usage</a:t>
-            </a:r>
-          </a:p>
-          <a:p>
-            <a:pPr lvl="1"/>
-            <a:r>
-              <a:rPr lang="en-US" dirty="0" smtClean="0"/>
-              <a:t>Developer portals and ease-of-use</a:t>
-            </a:r>
-          </a:p>
-          <a:p>
-            <a:pPr lvl="1"/>
-            <a:r>
-              <a:rPr lang="en-US" dirty="0" smtClean="0"/>
-              <a:t>Monetization</a:t>
-            </a:r>
-          </a:p>
-          <a:p>
-            <a:pPr marL="457200" lvl="1" indent="0">
-              <a:buNone/>
-            </a:pPr>
+              <a:t>PwCw</a:t>
+            </a:r>
             <a:endParaRPr lang="en-US" dirty="0"/>
           </a:p>
         </p:txBody>
@@ -4136,7 +4109,7 @@
     </p:spTree>
     <p:extLst>
       <p:ext uri="{BB962C8B-B14F-4D97-AF65-F5344CB8AC3E}">
-        <p14:creationId xmlns:p14="http://schemas.microsoft.com/office/powerpoint/2010/main" val="885734421"/>
+        <p14:creationId xmlns:p14="http://schemas.microsoft.com/office/powerpoint/2010/main" val="2036131638"/>
       </p:ext>
     </p:extLst>
   </p:cSld>
@@ -4170,7 +4143,7 @@
             <a:spLocks noGrp="1"/>
           </p:cNvSpPr>
           <p:nvPr>
-            <p:ph type="title"/>
+            <p:ph type="ctrTitle"/>
           </p:nvPr>
         </p:nvSpPr>
         <p:spPr/>
@@ -4178,84 +4151,60 @@
           <a:bodyPr/>
           <a:lstStyle/>
           <a:p>
-            <a:r>
-              <a:rPr lang="en-US" dirty="0" smtClean="0"/>
-              <a:t>ESBs and Intermediaries</a:t>
-            </a:r>
-            <a:endParaRPr lang="en-US" dirty="0"/>
-          </a:p>
-        </p:txBody>
-      </p:sp>
-      <p:sp>
-        <p:nvSpPr>
-          <p:cNvPr id="3" name="Content Placeholder 2"/>
-          <p:cNvSpPr>
-            <a:spLocks noGrp="1"/>
-          </p:cNvSpPr>
-          <p:nvPr>
-            <p:ph idx="1"/>
-          </p:nvPr>
-        </p:nvSpPr>
-        <p:spPr/>
-        <p:txBody>
-          <a:bodyPr/>
-          <a:lstStyle/>
-          <a:p>
-            <a:r>
-              <a:rPr lang="en-US" dirty="0" smtClean="0"/>
-              <a:t>ESB Patterns</a:t>
-            </a:r>
-          </a:p>
-          <a:p>
-            <a:pPr lvl="1"/>
-            <a:r>
-              <a:rPr lang="en-US" dirty="0" smtClean="0"/>
-              <a:t>Façade </a:t>
-            </a:r>
-          </a:p>
-          <a:p>
-            <a:pPr lvl="1"/>
-            <a:r>
-              <a:rPr lang="en-US" dirty="0" smtClean="0"/>
-              <a:t>Hub</a:t>
-            </a:r>
-          </a:p>
-          <a:p>
-            <a:pPr lvl="1"/>
-            <a:r>
-              <a:rPr lang="en-US" dirty="0" smtClean="0"/>
-              <a:t>Federated </a:t>
-            </a:r>
-          </a:p>
-          <a:p>
-            <a:pPr lvl="1"/>
-            <a:r>
-              <a:rPr lang="en-US" dirty="0" smtClean="0"/>
-              <a:t>Monitoring point</a:t>
-            </a:r>
-          </a:p>
-          <a:p>
-            <a:pPr lvl="1"/>
-            <a:r>
-              <a:rPr lang="en-US" dirty="0" smtClean="0"/>
-              <a:t>Transformation</a:t>
-            </a:r>
-          </a:p>
-          <a:p>
-            <a:r>
-              <a:rPr lang="en-US" dirty="0" smtClean="0"/>
-              <a:t>ESB </a:t>
-            </a:r>
-            <a:r>
-              <a:rPr lang="en-US" dirty="0" err="1" smtClean="0"/>
-              <a:t>vs</a:t>
-            </a:r>
-            <a:r>
-              <a:rPr lang="en-US" dirty="0" smtClean="0"/>
-              <a:t> Registry or both?</a:t>
-            </a:r>
-          </a:p>
-          <a:p>
+            <a:endParaRPr lang="en-US"/>
+          </a:p>
+        </p:txBody>
+      </p:sp>
+      <p:pic>
+        <p:nvPicPr>
+          <p:cNvPr id="4" name="Picture 3"/>
+          <p:cNvPicPr>
+            <a:picLocks noChangeAspect="1"/>
+          </p:cNvPicPr>
+          <p:nvPr/>
+        </p:nvPicPr>
+        <p:blipFill>
+          <a:blip r:embed="rId2"/>
+          <a:stretch>
+            <a:fillRect/>
+          </a:stretch>
+        </p:blipFill>
+        <p:spPr>
+          <a:xfrm>
+            <a:off x="0" y="662552"/>
+            <a:ext cx="9144000" cy="3966210"/>
+          </a:xfrm>
+          <a:prstGeom prst="rect">
+            <a:avLst/>
+          </a:prstGeom>
+        </p:spPr>
+      </p:pic>
+      <p:sp>
+        <p:nvSpPr>
+          <p:cNvPr id="3" name="TextBox 2"/>
+          <p:cNvSpPr txBox="1"/>
+          <p:nvPr/>
+        </p:nvSpPr>
+        <p:spPr>
+          <a:xfrm>
+            <a:off x="510780" y="5839827"/>
+            <a:ext cx="1351652" cy="369332"/>
+          </a:xfrm>
+          <a:prstGeom prst="rect">
+            <a:avLst/>
+          </a:prstGeom>
+          <a:noFill/>
+        </p:spPr>
+        <p:txBody>
+          <a:bodyPr wrap="none" rtlCol="0">
+            <a:spAutoFit/>
+          </a:bodyPr>
+          <a:lstStyle/>
+          <a:p>
+            <a:r>
+              <a:rPr lang="en-US" dirty="0" smtClean="0"/>
+              <a:t>Source: PwC</a:t>
+            </a:r>
             <a:endParaRPr lang="en-US" dirty="0"/>
           </a:p>
         </p:txBody>
@@ -4263,7 +4212,7 @@
     </p:spTree>
     <p:extLst>
       <p:ext uri="{BB962C8B-B14F-4D97-AF65-F5344CB8AC3E}">
-        <p14:creationId xmlns:p14="http://schemas.microsoft.com/office/powerpoint/2010/main" val="2523090467"/>
+        <p14:creationId xmlns:p14="http://schemas.microsoft.com/office/powerpoint/2010/main" val="1201878402"/>
       </p:ext>
     </p:extLst>
   </p:cSld>
@@ -4307,7 +4256,7 @@
           <a:p>
             <a:r>
               <a:rPr lang="en-US" dirty="0" smtClean="0"/>
-              <a:t>Orchestration and Composition</a:t>
+              <a:t>ESBs and Intermediaries</a:t>
             </a:r>
             <a:endParaRPr lang="en-US" dirty="0"/>
           </a:p>
@@ -4325,38 +4274,81 @@
         </p:nvSpPr>
         <p:spPr/>
         <p:txBody>
-          <a:bodyPr/>
-          <a:lstStyle/>
-          <a:p>
-            <a:r>
-              <a:rPr lang="en-US" dirty="0" smtClean="0"/>
-              <a:t>BPMN, BPEL</a:t>
-            </a:r>
-          </a:p>
-          <a:p>
-            <a:r>
-              <a:rPr lang="en-US" dirty="0" smtClean="0"/>
-              <a:t>Executable Documentation?</a:t>
-            </a:r>
-          </a:p>
-          <a:p>
-            <a:r>
-              <a:rPr lang="en-US" dirty="0" smtClean="0"/>
-              <a:t>Visibility and Monitoring</a:t>
-            </a:r>
-          </a:p>
-          <a:p>
-            <a:pPr marL="0" indent="0">
-              <a:buNone/>
-            </a:pPr>
-            <a:endParaRPr lang="en-US" dirty="0" smtClean="0"/>
+          <a:bodyPr>
+            <a:normAutofit lnSpcReduction="10000"/>
+          </a:bodyPr>
+          <a:lstStyle/>
+          <a:p>
+            <a:r>
+              <a:rPr lang="en-US" dirty="0" smtClean="0"/>
+              <a:t>ESB Patterns</a:t>
+            </a:r>
+          </a:p>
+          <a:p>
+            <a:pPr lvl="1"/>
+            <a:r>
+              <a:rPr lang="en-US" dirty="0" smtClean="0"/>
+              <a:t>Façade </a:t>
+            </a:r>
+          </a:p>
+          <a:p>
+            <a:pPr lvl="1"/>
+            <a:r>
+              <a:rPr lang="en-US" dirty="0" smtClean="0"/>
+              <a:t>Hub</a:t>
+            </a:r>
+          </a:p>
+          <a:p>
+            <a:pPr lvl="1"/>
+            <a:r>
+              <a:rPr lang="en-US" dirty="0" smtClean="0"/>
+              <a:t>Federated </a:t>
+            </a:r>
+          </a:p>
+          <a:p>
+            <a:pPr lvl="1"/>
+            <a:r>
+              <a:rPr lang="en-US" dirty="0" smtClean="0"/>
+              <a:t>Monitoring point</a:t>
+            </a:r>
+          </a:p>
+          <a:p>
+            <a:pPr lvl="1"/>
+            <a:r>
+              <a:rPr lang="en-US" dirty="0" smtClean="0"/>
+              <a:t>Transformation</a:t>
+            </a:r>
+          </a:p>
+          <a:p>
+            <a:r>
+              <a:rPr lang="en-US" dirty="0" smtClean="0"/>
+              <a:t>ESB </a:t>
+            </a:r>
+            <a:r>
+              <a:rPr lang="en-US" dirty="0" err="1" smtClean="0"/>
+              <a:t>vs</a:t>
+            </a:r>
+            <a:r>
+              <a:rPr lang="en-US" dirty="0" smtClean="0"/>
+              <a:t> Registry or both?</a:t>
+            </a:r>
+          </a:p>
+          <a:p>
+            <a:pPr lvl="1"/>
+            <a:r>
+              <a:rPr lang="en-US" dirty="0" smtClean="0"/>
+              <a:t>Or a utopia where every service works directly with every other?</a:t>
+            </a:r>
+          </a:p>
+          <a:p>
+            <a:endParaRPr lang="en-US" dirty="0"/>
           </a:p>
         </p:txBody>
       </p:sp>
     </p:spTree>
     <p:extLst>
       <p:ext uri="{BB962C8B-B14F-4D97-AF65-F5344CB8AC3E}">
-        <p14:creationId xmlns:p14="http://schemas.microsoft.com/office/powerpoint/2010/main" val="2763581670"/>
+        <p14:creationId xmlns:p14="http://schemas.microsoft.com/office/powerpoint/2010/main" val="2523090467"/>
       </p:ext>
     </p:extLst>
   </p:cSld>
@@ -4395,12 +4387,14 @@
         </p:nvSpPr>
         <p:spPr/>
         <p:txBody>
-          <a:bodyPr/>
-          <a:lstStyle/>
-          <a:p>
-            <a:r>
-              <a:rPr lang="en-US" dirty="0" smtClean="0"/>
-              <a:t>Design Considerations</a:t>
+          <a:bodyPr>
+            <a:normAutofit fontScale="90000"/>
+          </a:bodyPr>
+          <a:lstStyle/>
+          <a:p>
+            <a:r>
+              <a:rPr lang="en-US" dirty="0" smtClean="0"/>
+              <a:t>Orchestration and Composition</a:t>
             </a:r>
             <a:endParaRPr lang="en-US" dirty="0"/>
           </a:p>
@@ -4418,111 +4412,38 @@
         </p:nvSpPr>
         <p:spPr/>
         <p:txBody>
-          <a:bodyPr>
-            <a:normAutofit fontScale="77500" lnSpcReduction="20000"/>
-          </a:bodyPr>
-          <a:lstStyle/>
-          <a:p>
-            <a:r>
-              <a:rPr lang="en-US" dirty="0" smtClean="0"/>
-              <a:t>Granularity of </a:t>
-            </a:r>
-            <a:r>
-              <a:rPr lang="en-US" dirty="0" smtClean="0"/>
-              <a:t>Services</a:t>
-            </a:r>
-          </a:p>
-          <a:p>
-            <a:pPr lvl="1"/>
-            <a:r>
-              <a:rPr lang="en-US" dirty="0" err="1" smtClean="0"/>
-              <a:t>Microservices</a:t>
-            </a:r>
+          <a:bodyPr/>
+          <a:lstStyle/>
+          <a:p>
+            <a:r>
+              <a:rPr lang="en-US" dirty="0" smtClean="0"/>
+              <a:t>BPMN, BPEL</a:t>
+            </a:r>
+          </a:p>
+          <a:p>
+            <a:r>
+              <a:rPr lang="en-US" dirty="0" smtClean="0"/>
+              <a:t>Executable Documentation?</a:t>
+            </a:r>
+          </a:p>
+          <a:p>
+            <a:r>
+              <a:rPr lang="en-US" dirty="0" smtClean="0"/>
+              <a:t>Visibility and Monitoring</a:t>
+            </a:r>
+          </a:p>
+          <a:p>
+            <a:pPr marL="0" indent="0">
+              <a:buNone/>
+            </a:pPr>
             <a:endParaRPr lang="en-US" dirty="0" smtClean="0"/>
-          </a:p>
-          <a:p>
-            <a:pPr lvl="1"/>
-            <a:r>
-              <a:rPr lang="en-US" dirty="0" smtClean="0"/>
-              <a:t>Monolith First? </a:t>
-            </a:r>
-            <a:r>
-              <a:rPr lang="en-US" dirty="0" err="1" smtClean="0"/>
-              <a:t>Microservice</a:t>
-            </a:r>
-            <a:r>
-              <a:rPr lang="en-US" dirty="0" smtClean="0"/>
-              <a:t> First?</a:t>
-            </a:r>
-            <a:endParaRPr lang="en-US" dirty="0" smtClean="0"/>
-          </a:p>
-          <a:p>
-            <a:r>
-              <a:rPr lang="en-US" dirty="0" smtClean="0"/>
-              <a:t>Ensuring that SOA is being used for a good reason:</a:t>
-            </a:r>
-          </a:p>
-          <a:p>
-            <a:pPr lvl="1"/>
-            <a:r>
-              <a:rPr lang="en-US" dirty="0" smtClean="0"/>
-              <a:t>Scale</a:t>
-            </a:r>
-          </a:p>
-          <a:p>
-            <a:pPr lvl="1"/>
-            <a:r>
-              <a:rPr lang="en-US" dirty="0" smtClean="0"/>
-              <a:t>Organizational boundaries</a:t>
-            </a:r>
-          </a:p>
-          <a:p>
-            <a:pPr lvl="1"/>
-            <a:r>
-              <a:rPr lang="en-US" dirty="0" err="1" smtClean="0"/>
-              <a:t>Evolvability</a:t>
-            </a:r>
-            <a:endParaRPr lang="en-US" dirty="0" smtClean="0"/>
-          </a:p>
-          <a:p>
-            <a:r>
-              <a:rPr lang="en-US" dirty="0" smtClean="0"/>
-              <a:t>Where to draw the boundaries?</a:t>
-            </a:r>
-          </a:p>
-          <a:p>
-            <a:pPr lvl="1"/>
-            <a:r>
-              <a:rPr lang="en-US" dirty="0" smtClean="0"/>
-              <a:t>Between services</a:t>
-            </a:r>
-          </a:p>
-          <a:p>
-            <a:pPr lvl="1"/>
-            <a:r>
-              <a:rPr lang="en-US" dirty="0" smtClean="0"/>
-              <a:t>Between ESB and BPM</a:t>
-            </a:r>
-          </a:p>
-          <a:p>
-            <a:pPr lvl="1"/>
-            <a:r>
-              <a:rPr lang="en-US" dirty="0" smtClean="0"/>
-              <a:t>Between organizations</a:t>
-            </a:r>
-          </a:p>
-          <a:p>
-            <a:r>
-              <a:rPr lang="en-US" dirty="0" smtClean="0"/>
-              <a:t>Are your layers right?</a:t>
-            </a:r>
           </a:p>
         </p:txBody>
       </p:sp>
     </p:spTree>
     <p:extLst>
       <p:ext uri="{BB962C8B-B14F-4D97-AF65-F5344CB8AC3E}">
-        <p14:creationId xmlns:p14="http://schemas.microsoft.com/office/powerpoint/2010/main" val="3435094655"/>
+        <p14:creationId xmlns:p14="http://schemas.microsoft.com/office/powerpoint/2010/main" val="2763581670"/>
       </p:ext>
     </p:extLst>
   </p:cSld>
@@ -4566,6 +4487,182 @@
           <a:p>
             <a:r>
               <a:rPr lang="en-US" dirty="0" smtClean="0"/>
+              <a:t>Design Considerations</a:t>
+            </a:r>
+            <a:endParaRPr lang="en-US" dirty="0"/>
+          </a:p>
+        </p:txBody>
+      </p:sp>
+      <p:sp>
+        <p:nvSpPr>
+          <p:cNvPr id="3" name="Content Placeholder 2"/>
+          <p:cNvSpPr>
+            <a:spLocks noGrp="1"/>
+          </p:cNvSpPr>
+          <p:nvPr>
+            <p:ph idx="1"/>
+          </p:nvPr>
+        </p:nvSpPr>
+        <p:spPr/>
+        <p:txBody>
+          <a:bodyPr>
+            <a:normAutofit fontScale="70000" lnSpcReduction="20000"/>
+          </a:bodyPr>
+          <a:lstStyle/>
+          <a:p>
+            <a:r>
+              <a:rPr lang="en-US" dirty="0" smtClean="0"/>
+              <a:t>Granularity of Services</a:t>
+            </a:r>
+          </a:p>
+          <a:p>
+            <a:pPr lvl="1"/>
+            <a:r>
+              <a:rPr lang="en-US" dirty="0" err="1" smtClean="0"/>
+              <a:t>Microservices</a:t>
+            </a:r>
+            <a:endParaRPr lang="en-US" dirty="0" smtClean="0"/>
+          </a:p>
+          <a:p>
+            <a:pPr lvl="1"/>
+            <a:r>
+              <a:rPr lang="en-US" dirty="0" smtClean="0"/>
+              <a:t>Monolith First? </a:t>
+            </a:r>
+            <a:r>
+              <a:rPr lang="en-US" dirty="0" err="1" smtClean="0"/>
+              <a:t>Microservice</a:t>
+            </a:r>
+            <a:r>
+              <a:rPr lang="en-US" dirty="0" smtClean="0"/>
+              <a:t> First?</a:t>
+            </a:r>
+          </a:p>
+          <a:p>
+            <a:r>
+              <a:rPr lang="en-US" dirty="0" smtClean="0"/>
+              <a:t>Ensuring that SOA is being used for a good reason:</a:t>
+            </a:r>
+          </a:p>
+          <a:p>
+            <a:pPr lvl="1"/>
+            <a:r>
+              <a:rPr lang="en-US" dirty="0" smtClean="0"/>
+              <a:t>Scale</a:t>
+            </a:r>
+          </a:p>
+          <a:p>
+            <a:pPr lvl="1"/>
+            <a:r>
+              <a:rPr lang="en-US" dirty="0" smtClean="0"/>
+              <a:t>Organizational boundaries</a:t>
+            </a:r>
+          </a:p>
+          <a:p>
+            <a:pPr lvl="1"/>
+            <a:r>
+              <a:rPr lang="en-US" dirty="0" err="1" smtClean="0"/>
+              <a:t>Evolvability</a:t>
+            </a:r>
+            <a:endParaRPr lang="en-US" dirty="0" smtClean="0"/>
+          </a:p>
+          <a:p>
+            <a:r>
+              <a:rPr lang="en-US" dirty="0" smtClean="0"/>
+              <a:t>Where to draw the boundaries?</a:t>
+            </a:r>
+          </a:p>
+          <a:p>
+            <a:pPr lvl="1"/>
+            <a:r>
+              <a:rPr lang="en-US" dirty="0" smtClean="0"/>
+              <a:t>Between services</a:t>
+            </a:r>
+          </a:p>
+          <a:p>
+            <a:pPr lvl="1"/>
+            <a:r>
+              <a:rPr lang="en-US" dirty="0" smtClean="0"/>
+              <a:t>Between </a:t>
+            </a:r>
+            <a:r>
+              <a:rPr lang="en-US" dirty="0" err="1" smtClean="0"/>
+              <a:t>microservices</a:t>
+            </a:r>
+            <a:r>
+              <a:rPr lang="en-US" dirty="0" smtClean="0"/>
+              <a:t> and services</a:t>
+            </a:r>
+          </a:p>
+          <a:p>
+            <a:pPr lvl="1"/>
+            <a:r>
+              <a:rPr lang="en-US" dirty="0" smtClean="0"/>
+              <a:t>Between ESB and BPM</a:t>
+            </a:r>
+          </a:p>
+          <a:p>
+            <a:pPr lvl="1"/>
+            <a:r>
+              <a:rPr lang="en-US" dirty="0" smtClean="0"/>
+              <a:t>Between organizations</a:t>
+            </a:r>
+          </a:p>
+          <a:p>
+            <a:r>
+              <a:rPr lang="en-US" dirty="0" smtClean="0"/>
+              <a:t>Are your layers right?</a:t>
+            </a:r>
+          </a:p>
+        </p:txBody>
+      </p:sp>
+    </p:spTree>
+    <p:extLst>
+      <p:ext uri="{BB962C8B-B14F-4D97-AF65-F5344CB8AC3E}">
+        <p14:creationId xmlns:p14="http://schemas.microsoft.com/office/powerpoint/2010/main" val="3435094655"/>
+      </p:ext>
+    </p:extLst>
+  </p:cSld>
+  <p:clrMapOvr>
+    <a:masterClrMapping/>
+  </p:clrMapOvr>
+</p:sld>
+</file>
+
+<file path=ppt/slides/slide16.xml><?xml version="1.0" encoding="utf-8"?>
+<p:sld xmlns:a="http://schemas.openxmlformats.org/drawingml/2006/main" xmlns:r="http://schemas.openxmlformats.org/officeDocument/2006/relationships" xmlns:p="http://schemas.openxmlformats.org/presentationml/2006/main">
+  <p:cSld>
+    <p:spTree>
+      <p:nvGrpSpPr>
+        <p:cNvPr id="1" name=""/>
+        <p:cNvGrpSpPr/>
+        <p:nvPr/>
+      </p:nvGrpSpPr>
+      <p:grpSpPr>
+        <a:xfrm>
+          <a:off x="0" y="0"/>
+          <a:ext cx="0" cy="0"/>
+          <a:chOff x="0" y="0"/>
+          <a:chExt cx="0" cy="0"/>
+        </a:xfrm>
+      </p:grpSpPr>
+      <p:sp>
+        <p:nvSpPr>
+          <p:cNvPr id="2" name="Title 1"/>
+          <p:cNvSpPr>
+            <a:spLocks noGrp="1"/>
+          </p:cNvSpPr>
+          <p:nvPr>
+            <p:ph type="title"/>
+          </p:nvPr>
+        </p:nvSpPr>
+        <p:spPr/>
+        <p:txBody>
+          <a:bodyPr/>
+          <a:lstStyle/>
+          <a:p>
+            <a:r>
+              <a:rPr lang="en-US" dirty="0" smtClean="0"/>
               <a:t>Organizational issues</a:t>
             </a:r>
             <a:endParaRPr lang="en-US" dirty="0"/>
@@ -4631,7 +4728,7 @@
 </p:sld>
 </file>
 
-<file path=ppt/slides/slide16.xml><?xml version="1.0" encoding="utf-8"?>
+<file path=ppt/slides/slide17.xml><?xml version="1.0" encoding="utf-8"?>
 <p:sld xmlns:a="http://schemas.openxmlformats.org/drawingml/2006/main" xmlns:r="http://schemas.openxmlformats.org/officeDocument/2006/relationships" xmlns:p="http://schemas.openxmlformats.org/presentationml/2006/main">
   <p:cSld>
     <p:spTree>
@@ -4685,91 +4782,6 @@
 </p:sld>
 </file>
 
-<file path=ppt/slides/slide17.xml><?xml version="1.0" encoding="utf-8"?>
-<p:sld xmlns:a="http://schemas.openxmlformats.org/drawingml/2006/main" xmlns:r="http://schemas.openxmlformats.org/officeDocument/2006/relationships" xmlns:p="http://schemas.openxmlformats.org/presentationml/2006/main">
-  <p:cSld>
-    <p:spTree>
-      <p:nvGrpSpPr>
-        <p:cNvPr id="1" name=""/>
-        <p:cNvGrpSpPr/>
-        <p:nvPr/>
-      </p:nvGrpSpPr>
-      <p:grpSpPr>
-        <a:xfrm>
-          <a:off x="0" y="0"/>
-          <a:ext cx="0" cy="0"/>
-          <a:chOff x="0" y="0"/>
-          <a:chExt cx="0" cy="0"/>
-        </a:xfrm>
-      </p:grpSpPr>
-      <p:sp>
-        <p:nvSpPr>
-          <p:cNvPr id="2" name="Title 1"/>
-          <p:cNvSpPr>
-            <a:spLocks noGrp="1"/>
-          </p:cNvSpPr>
-          <p:nvPr>
-            <p:ph type="title"/>
-          </p:nvPr>
-        </p:nvSpPr>
-        <p:spPr/>
-        <p:txBody>
-          <a:bodyPr/>
-          <a:lstStyle/>
-          <a:p>
-            <a:r>
-              <a:rPr lang="en-US" dirty="0" smtClean="0"/>
-              <a:t>SOA and Cloud</a:t>
-            </a:r>
-            <a:endParaRPr lang="en-US" dirty="0"/>
-          </a:p>
-        </p:txBody>
-      </p:sp>
-      <p:sp>
-        <p:nvSpPr>
-          <p:cNvPr id="5" name="Content Placeholder 4"/>
-          <p:cNvSpPr>
-            <a:spLocks noGrp="1"/>
-          </p:cNvSpPr>
-          <p:nvPr>
-            <p:ph idx="1"/>
-          </p:nvPr>
-        </p:nvSpPr>
-        <p:spPr/>
-        <p:txBody>
-          <a:bodyPr/>
-          <a:lstStyle/>
-          <a:p>
-            <a:r>
-              <a:rPr lang="en-US" dirty="0" smtClean="0"/>
-              <a:t>SOA is loose-coupling between applications and applications</a:t>
-            </a:r>
-          </a:p>
-          <a:p>
-            <a:endParaRPr lang="en-US" dirty="0"/>
-          </a:p>
-          <a:p>
-            <a:r>
-              <a:rPr lang="en-US" dirty="0" smtClean="0"/>
-              <a:t>Cloud is loose-coupling between applications and infrastructure</a:t>
-            </a:r>
-            <a:endParaRPr lang="en-US" dirty="0"/>
-          </a:p>
-        </p:txBody>
-      </p:sp>
-    </p:spTree>
-    <p:extLst>
-      <p:ext uri="{BB962C8B-B14F-4D97-AF65-F5344CB8AC3E}">
-        <p14:creationId xmlns:p14="http://schemas.microsoft.com/office/powerpoint/2010/main" val="3761171259"/>
-      </p:ext>
-    </p:extLst>
-  </p:cSld>
-  <p:clrMapOvr>
-    <a:masterClrMapping/>
-  </p:clrMapOvr>
-</p:sld>
-</file>
-
 <file path=ppt/slides/slide18.xml><?xml version="1.0" encoding="utf-8"?>
 <p:sld xmlns:a="http://schemas.openxmlformats.org/drawingml/2006/main" xmlns:r="http://schemas.openxmlformats.org/officeDocument/2006/relationships" xmlns:p="http://schemas.openxmlformats.org/presentationml/2006/main">
   <p:cSld>
@@ -4804,7 +4816,39 @@
           <a:p>
             <a:r>
               <a:rPr lang="en-US" dirty="0" smtClean="0"/>
-              <a:t>What else?</a:t>
+              <a:t>SOA and Cloud</a:t>
+            </a:r>
+            <a:endParaRPr lang="en-US" dirty="0"/>
+          </a:p>
+        </p:txBody>
+      </p:sp>
+      <p:sp>
+        <p:nvSpPr>
+          <p:cNvPr id="5" name="Content Placeholder 4"/>
+          <p:cNvSpPr>
+            <a:spLocks noGrp="1"/>
+          </p:cNvSpPr>
+          <p:nvPr>
+            <p:ph idx="1"/>
+          </p:nvPr>
+        </p:nvSpPr>
+        <p:spPr/>
+        <p:txBody>
+          <a:bodyPr/>
+          <a:lstStyle/>
+          <a:p>
+            <a:r>
+              <a:rPr lang="en-US" dirty="0" smtClean="0"/>
+              <a:t>SOA is loose-coupling between applications and applications</a:t>
+            </a:r>
+          </a:p>
+          <a:p>
+            <a:endParaRPr lang="en-US" dirty="0"/>
+          </a:p>
+          <a:p>
+            <a:r>
+              <a:rPr lang="en-US" dirty="0" smtClean="0"/>
+              <a:t>Cloud is loose-coupling between applications and infrastructure</a:t>
             </a:r>
             <a:endParaRPr lang="en-US" dirty="0"/>
           </a:p>
@@ -4813,7 +4857,7 @@
     </p:spTree>
     <p:extLst>
       <p:ext uri="{BB962C8B-B14F-4D97-AF65-F5344CB8AC3E}">
-        <p14:creationId xmlns:p14="http://schemas.microsoft.com/office/powerpoint/2010/main" val="3333755163"/>
+        <p14:creationId xmlns:p14="http://schemas.microsoft.com/office/powerpoint/2010/main" val="3761171259"/>
       </p:ext>
     </p:extLst>
   </p:cSld>
@@ -4842,126 +4886,31 @@
       </p:grpSpPr>
       <p:sp>
         <p:nvSpPr>
-          <p:cNvPr id="4" name="Title 3"/>
-          <p:cNvSpPr>
-            <a:spLocks noGrp="1"/>
-          </p:cNvSpPr>
-          <p:nvPr>
-            <p:ph type="ctrTitle"/>
-          </p:nvPr>
-        </p:nvSpPr>
-        <p:spPr>
-          <a:xfrm>
-            <a:off x="685800" y="276225"/>
-            <a:ext cx="7772400" cy="1470025"/>
-          </a:xfrm>
-        </p:spPr>
-        <p:txBody>
-          <a:bodyPr/>
-          <a:lstStyle/>
-          <a:p>
-            <a:r>
-              <a:rPr lang="en-US" dirty="0" smtClean="0"/>
-              <a:t>Thanks!</a:t>
+          <p:cNvPr id="2" name="Title 1"/>
+          <p:cNvSpPr>
+            <a:spLocks noGrp="1"/>
+          </p:cNvSpPr>
+          <p:nvPr>
+            <p:ph type="title"/>
+          </p:nvPr>
+        </p:nvSpPr>
+        <p:spPr/>
+        <p:txBody>
+          <a:bodyPr/>
+          <a:lstStyle/>
+          <a:p>
+            <a:r>
+              <a:rPr lang="en-US" dirty="0" smtClean="0"/>
+              <a:t>What else?</a:t>
             </a:r>
             <a:endParaRPr lang="en-US" dirty="0"/>
           </a:p>
         </p:txBody>
       </p:sp>
-      <p:sp>
-        <p:nvSpPr>
-          <p:cNvPr id="5" name="Subtitle 4"/>
-          <p:cNvSpPr>
-            <a:spLocks noGrp="1"/>
-          </p:cNvSpPr>
-          <p:nvPr>
-            <p:ph type="subTitle" idx="1"/>
-          </p:nvPr>
-        </p:nvSpPr>
-        <p:spPr/>
-        <p:txBody>
-          <a:bodyPr>
-            <a:normAutofit fontScale="85000" lnSpcReduction="20000"/>
-          </a:bodyPr>
-          <a:lstStyle/>
-          <a:p>
-            <a:r>
-              <a:rPr lang="en-US" dirty="0" smtClean="0">
-                <a:hlinkClick r:id="rId2"/>
-              </a:rPr>
-              <a:t>paul@fremantle.org</a:t>
-            </a:r>
-            <a:endParaRPr lang="en-US" dirty="0" smtClean="0"/>
-          </a:p>
-          <a:p>
-            <a:r>
-              <a:rPr lang="en-US" dirty="0" smtClean="0">
-                <a:hlinkClick r:id="rId3"/>
-              </a:rPr>
-              <a:t>paul@wso2.com</a:t>
-            </a:r>
-            <a:endParaRPr lang="en-US" dirty="0" smtClean="0"/>
-          </a:p>
-          <a:p>
-            <a:r>
-              <a:rPr lang="en-US" dirty="0" smtClean="0"/>
-              <a:t>@</a:t>
-            </a:r>
-            <a:r>
-              <a:rPr lang="en-US" dirty="0" err="1" smtClean="0"/>
-              <a:t>pzfreo</a:t>
-            </a:r>
-            <a:endParaRPr lang="en-US" dirty="0" smtClean="0"/>
-          </a:p>
-          <a:p>
-            <a:r>
-              <a:rPr lang="en-US" dirty="0" smtClean="0"/>
-              <a:t>LinkedIn/Facebook/</a:t>
-            </a:r>
-            <a:r>
-              <a:rPr lang="en-US" dirty="0" err="1" smtClean="0"/>
-              <a:t>Slideshare</a:t>
-            </a:r>
-            <a:r>
-              <a:rPr lang="en-US" dirty="0" smtClean="0"/>
-              <a:t>/</a:t>
-            </a:r>
-            <a:r>
-              <a:rPr lang="en-US" dirty="0" err="1" smtClean="0"/>
-              <a:t>Github</a:t>
-            </a:r>
-            <a:endParaRPr lang="en-US" dirty="0"/>
-          </a:p>
-        </p:txBody>
-      </p:sp>
-      <p:pic>
-        <p:nvPicPr>
-          <p:cNvPr id="2" name="Picture 1"/>
-          <p:cNvPicPr>
-            <a:picLocks noChangeAspect="1"/>
-          </p:cNvPicPr>
-          <p:nvPr/>
-        </p:nvPicPr>
-        <p:blipFill>
-          <a:blip r:embed="rId4"/>
-          <a:stretch>
-            <a:fillRect/>
-          </a:stretch>
-        </p:blipFill>
-        <p:spPr>
-          <a:xfrm>
-            <a:off x="3454400" y="1422400"/>
-            <a:ext cx="2235200" cy="2235200"/>
-          </a:xfrm>
-          <a:prstGeom prst="rect">
-            <a:avLst/>
-          </a:prstGeom>
-        </p:spPr>
-      </p:pic>
     </p:spTree>
     <p:extLst>
       <p:ext uri="{BB962C8B-B14F-4D97-AF65-F5344CB8AC3E}">
-        <p14:creationId xmlns:p14="http://schemas.microsoft.com/office/powerpoint/2010/main" val="4056199321"/>
+        <p14:creationId xmlns:p14="http://schemas.microsoft.com/office/powerpoint/2010/main" val="3333755163"/>
       </p:ext>
     </p:extLst>
   </p:cSld>
@@ -5032,6 +4981,145 @@
 </p:sld>
 </file>
 
+<file path=ppt/slides/slide20.xml><?xml version="1.0" encoding="utf-8"?>
+<p:sld xmlns:a="http://schemas.openxmlformats.org/drawingml/2006/main" xmlns:r="http://schemas.openxmlformats.org/officeDocument/2006/relationships" xmlns:p="http://schemas.openxmlformats.org/presentationml/2006/main">
+  <p:cSld>
+    <p:spTree>
+      <p:nvGrpSpPr>
+        <p:cNvPr id="1" name=""/>
+        <p:cNvGrpSpPr/>
+        <p:nvPr/>
+      </p:nvGrpSpPr>
+      <p:grpSpPr>
+        <a:xfrm>
+          <a:off x="0" y="0"/>
+          <a:ext cx="0" cy="0"/>
+          <a:chOff x="0" y="0"/>
+          <a:chExt cx="0" cy="0"/>
+        </a:xfrm>
+      </p:grpSpPr>
+      <p:sp>
+        <p:nvSpPr>
+          <p:cNvPr id="4" name="Title 3"/>
+          <p:cNvSpPr>
+            <a:spLocks noGrp="1"/>
+          </p:cNvSpPr>
+          <p:nvPr>
+            <p:ph type="ctrTitle"/>
+          </p:nvPr>
+        </p:nvSpPr>
+        <p:spPr>
+          <a:xfrm>
+            <a:off x="685800" y="276225"/>
+            <a:ext cx="7772400" cy="1470025"/>
+          </a:xfrm>
+        </p:spPr>
+        <p:txBody>
+          <a:bodyPr/>
+          <a:lstStyle/>
+          <a:p>
+            <a:r>
+              <a:rPr lang="en-US" dirty="0" smtClean="0"/>
+              <a:t>Thanks!</a:t>
+            </a:r>
+            <a:endParaRPr lang="en-US" dirty="0"/>
+          </a:p>
+        </p:txBody>
+      </p:sp>
+      <p:sp>
+        <p:nvSpPr>
+          <p:cNvPr id="5" name="Subtitle 4"/>
+          <p:cNvSpPr>
+            <a:spLocks noGrp="1"/>
+          </p:cNvSpPr>
+          <p:nvPr>
+            <p:ph type="subTitle" idx="1"/>
+          </p:nvPr>
+        </p:nvSpPr>
+        <p:spPr/>
+        <p:txBody>
+          <a:bodyPr>
+            <a:normAutofit fontScale="92500" lnSpcReduction="20000"/>
+          </a:bodyPr>
+          <a:lstStyle/>
+          <a:p>
+            <a:r>
+              <a:rPr lang="en-US" dirty="0" smtClean="0">
+                <a:hlinkClick r:id="rId2"/>
+              </a:rPr>
+              <a:t>paul@fremantle.org</a:t>
+            </a:r>
+            <a:endParaRPr lang="en-US" dirty="0" smtClean="0"/>
+          </a:p>
+          <a:p>
+            <a:r>
+              <a:rPr lang="en-US" dirty="0" smtClean="0"/>
+              <a:t>@</a:t>
+            </a:r>
+            <a:r>
+              <a:rPr lang="en-US" dirty="0" err="1" smtClean="0"/>
+              <a:t>pzfreo</a:t>
+            </a:r>
+            <a:endParaRPr lang="en-US" dirty="0" smtClean="0"/>
+          </a:p>
+          <a:p>
+            <a:r>
+              <a:rPr lang="en-US" dirty="0" smtClean="0"/>
+              <a:t>LinkedIn/Facebook/</a:t>
+            </a:r>
+            <a:r>
+              <a:rPr lang="en-US" dirty="0" err="1" smtClean="0"/>
+              <a:t>Slideshare</a:t>
+            </a:r>
+            <a:r>
+              <a:rPr lang="en-US" dirty="0" smtClean="0"/>
+              <a:t>/</a:t>
+            </a:r>
+            <a:r>
+              <a:rPr lang="en-US" dirty="0" err="1" smtClean="0"/>
+              <a:t>Github</a:t>
+            </a:r>
+            <a:endParaRPr lang="en-US" dirty="0"/>
+          </a:p>
+        </p:txBody>
+      </p:sp>
+      <p:pic>
+        <p:nvPicPr>
+          <p:cNvPr id="2" name="Picture 1"/>
+          <p:cNvPicPr>
+            <a:picLocks noChangeAspect="1"/>
+          </p:cNvPicPr>
+          <p:nvPr/>
+        </p:nvPicPr>
+        <p:blipFill>
+          <a:blip r:embed="rId3"/>
+          <a:stretch>
+            <a:fillRect/>
+          </a:stretch>
+        </p:blipFill>
+        <p:spPr>
+          <a:xfrm>
+            <a:off x="3454400" y="1422400"/>
+            <a:ext cx="2235200" cy="2235200"/>
+          </a:xfrm>
+          <a:prstGeom prst="rect">
+            <a:avLst/>
+          </a:prstGeom>
+        </p:spPr>
+      </p:pic>
+    </p:spTree>
+    <p:extLst>
+      <p:ext uri="{BB962C8B-B14F-4D97-AF65-F5344CB8AC3E}">
+        <p14:creationId xmlns:p14="http://schemas.microsoft.com/office/powerpoint/2010/main" val="4056199321"/>
+      </p:ext>
+    </p:extLst>
+  </p:cSld>
+  <p:clrMapOvr>
+    <a:masterClrMapping/>
+  </p:clrMapOvr>
+</p:sld>
+</file>
+
 <file path=ppt/slides/slide3.xml><?xml version="1.0" encoding="utf-8"?>
 <p:sld xmlns:a="http://schemas.openxmlformats.org/drawingml/2006/main" xmlns:r="http://schemas.openxmlformats.org/officeDocument/2006/relationships" xmlns:p="http://schemas.openxmlformats.org/presentationml/2006/main">
   <p:cSld>
@@ -5150,40 +5238,89 @@
           <a:p>
             <a:r>
               <a:rPr lang="en-US" dirty="0" smtClean="0"/>
-              <a:t>REST</a:t>
+              <a:t>SOAP and WS-*</a:t>
             </a:r>
             <a:endParaRPr lang="en-US" dirty="0"/>
           </a:p>
         </p:txBody>
       </p:sp>
-      <p:pic>
-        <p:nvPicPr>
-          <p:cNvPr id="4" name="Picture 3"/>
-          <p:cNvPicPr>
-            <a:picLocks noChangeAspect="1"/>
-          </p:cNvPicPr>
-          <p:nvPr/>
-        </p:nvPicPr>
-        <p:blipFill>
-          <a:blip r:embed="rId2"/>
-          <a:stretch>
-            <a:fillRect/>
-          </a:stretch>
-        </p:blipFill>
-        <p:spPr>
-          <a:xfrm>
-            <a:off x="0" y="1526694"/>
-            <a:ext cx="9144000" cy="4543893"/>
-          </a:xfrm>
-          <a:prstGeom prst="rect">
-            <a:avLst/>
-          </a:prstGeom>
-        </p:spPr>
-      </p:pic>
+      <p:sp>
+        <p:nvSpPr>
+          <p:cNvPr id="3" name="Content Placeholder 2"/>
+          <p:cNvSpPr>
+            <a:spLocks noGrp="1"/>
+          </p:cNvSpPr>
+          <p:nvPr>
+            <p:ph idx="1"/>
+          </p:nvPr>
+        </p:nvSpPr>
+        <p:spPr/>
+        <p:txBody>
+          <a:bodyPr/>
+          <a:lstStyle/>
+          <a:p>
+            <a:r>
+              <a:rPr lang="en-US" dirty="0" err="1" smtClean="0"/>
+              <a:t>Composable</a:t>
+            </a:r>
+            <a:endParaRPr lang="en-US" dirty="0" smtClean="0"/>
+          </a:p>
+          <a:p>
+            <a:pPr lvl="1"/>
+            <a:r>
+              <a:rPr lang="en-US" dirty="0" smtClean="0"/>
+              <a:t>WS-Security, </a:t>
+            </a:r>
+            <a:r>
+              <a:rPr lang="en-US" dirty="0" err="1" smtClean="0"/>
+              <a:t>ReliableMessaging</a:t>
+            </a:r>
+            <a:r>
+              <a:rPr lang="en-US" dirty="0" smtClean="0"/>
+              <a:t>,</a:t>
+            </a:r>
+            <a:r>
+              <a:rPr lang="en-US" dirty="0"/>
+              <a:t> </a:t>
+            </a:r>
+            <a:r>
+              <a:rPr lang="en-US" dirty="0" err="1" smtClean="0"/>
+              <a:t>etc</a:t>
+            </a:r>
+            <a:endParaRPr lang="en-US" dirty="0" smtClean="0"/>
+          </a:p>
+          <a:p>
+            <a:r>
+              <a:rPr lang="en-US" dirty="0" smtClean="0"/>
+              <a:t>Transport independent</a:t>
+            </a:r>
+          </a:p>
+          <a:p>
+            <a:r>
+              <a:rPr lang="en-US" dirty="0" smtClean="0"/>
+              <a:t>Tooling</a:t>
+            </a:r>
+          </a:p>
+          <a:p>
+            <a:r>
+              <a:rPr lang="en-US" dirty="0" smtClean="0"/>
+              <a:t>Schemas and WSDLs</a:t>
+            </a:r>
+          </a:p>
+          <a:p>
+            <a:pPr lvl="1"/>
+            <a:r>
+              <a:rPr lang="en-US" dirty="0" smtClean="0"/>
+              <a:t>Governance</a:t>
+            </a:r>
+            <a:endParaRPr lang="en-US" dirty="0"/>
+          </a:p>
+        </p:txBody>
+      </p:sp>
     </p:spTree>
     <p:extLst>
       <p:ext uri="{BB962C8B-B14F-4D97-AF65-F5344CB8AC3E}">
-        <p14:creationId xmlns:p14="http://schemas.microsoft.com/office/powerpoint/2010/main" val="1415648941"/>
+        <p14:creationId xmlns:p14="http://schemas.microsoft.com/office/powerpoint/2010/main" val="3783654836"/>
       </p:ext>
     </p:extLst>
   </p:cSld>
@@ -5227,7 +5364,7 @@
           <a:p>
             <a:r>
               <a:rPr lang="en-US" dirty="0" smtClean="0"/>
-              <a:t>HATEOAS</a:t>
+              <a:t>REST</a:t>
             </a:r>
             <a:endParaRPr lang="en-US" dirty="0"/>
           </a:p>
@@ -5249,8 +5386,8 @@
         </p:blipFill>
         <p:spPr>
           <a:xfrm>
-            <a:off x="457200" y="1417637"/>
-            <a:ext cx="8282262" cy="3445421"/>
+            <a:off x="0" y="1526694"/>
+            <a:ext cx="9144000" cy="4543893"/>
           </a:xfrm>
           <a:prstGeom prst="rect">
             <a:avLst/>
@@ -5260,7 +5397,7 @@
     </p:spTree>
     <p:extLst>
       <p:ext uri="{BB962C8B-B14F-4D97-AF65-F5344CB8AC3E}">
-        <p14:creationId xmlns:p14="http://schemas.microsoft.com/office/powerpoint/2010/main" val="3669247422"/>
+        <p14:creationId xmlns:p14="http://schemas.microsoft.com/office/powerpoint/2010/main" val="1415648941"/>
       </p:ext>
     </p:extLst>
   </p:cSld>
@@ -5304,89 +5441,40 @@
           <a:p>
             <a:r>
               <a:rPr lang="en-US" dirty="0" smtClean="0"/>
-              <a:t>SOAP and WS-*</a:t>
+              <a:t>HATEOAS</a:t>
             </a:r>
             <a:endParaRPr lang="en-US" dirty="0"/>
           </a:p>
         </p:txBody>
       </p:sp>
-      <p:sp>
-        <p:nvSpPr>
-          <p:cNvPr id="3" name="Content Placeholder 2"/>
-          <p:cNvSpPr>
-            <a:spLocks noGrp="1"/>
-          </p:cNvSpPr>
-          <p:nvPr>
-            <p:ph idx="1"/>
-          </p:nvPr>
-        </p:nvSpPr>
-        <p:spPr/>
-        <p:txBody>
-          <a:bodyPr/>
-          <a:lstStyle/>
-          <a:p>
-            <a:r>
-              <a:rPr lang="en-US" dirty="0" err="1" smtClean="0"/>
-              <a:t>Composable</a:t>
-            </a:r>
-            <a:endParaRPr lang="en-US" dirty="0" smtClean="0"/>
-          </a:p>
-          <a:p>
-            <a:pPr lvl="1"/>
-            <a:r>
-              <a:rPr lang="en-US" dirty="0" smtClean="0"/>
-              <a:t>WS-Security, </a:t>
-            </a:r>
-            <a:r>
-              <a:rPr lang="en-US" dirty="0" err="1" smtClean="0"/>
-              <a:t>ReliableMessaging</a:t>
-            </a:r>
-            <a:r>
-              <a:rPr lang="en-US" dirty="0" smtClean="0"/>
-              <a:t>,</a:t>
-            </a:r>
-            <a:r>
-              <a:rPr lang="en-US" dirty="0"/>
-              <a:t> </a:t>
-            </a:r>
-            <a:r>
-              <a:rPr lang="en-US" dirty="0" err="1" smtClean="0"/>
-              <a:t>etc</a:t>
-            </a:r>
-            <a:endParaRPr lang="en-US" dirty="0" smtClean="0"/>
-          </a:p>
-          <a:p>
-            <a:r>
-              <a:rPr lang="en-US" dirty="0" smtClean="0"/>
-              <a:t>Transport independent</a:t>
-            </a:r>
-          </a:p>
-          <a:p>
-            <a:r>
-              <a:rPr lang="en-US" dirty="0" smtClean="0"/>
-              <a:t>Tooling</a:t>
-            </a:r>
-          </a:p>
-          <a:p>
-            <a:r>
-              <a:rPr lang="en-US" dirty="0" smtClean="0"/>
-              <a:t>Schemas and WSDLs</a:t>
-            </a:r>
-          </a:p>
-          <a:p>
-            <a:pPr lvl="1"/>
-            <a:r>
-              <a:rPr lang="en-US" dirty="0" smtClean="0"/>
-              <a:t>Governance</a:t>
-            </a:r>
-            <a:endParaRPr lang="en-US" dirty="0"/>
-          </a:p>
-        </p:txBody>
-      </p:sp>
+      <p:pic>
+        <p:nvPicPr>
+          <p:cNvPr id="4" name="Picture 3"/>
+          <p:cNvPicPr>
+            <a:picLocks noChangeAspect="1"/>
+          </p:cNvPicPr>
+          <p:nvPr/>
+        </p:nvPicPr>
+        <p:blipFill>
+          <a:blip r:embed="rId2"/>
+          <a:stretch>
+            <a:fillRect/>
+          </a:stretch>
+        </p:blipFill>
+        <p:spPr>
+          <a:xfrm>
+            <a:off x="457200" y="1417637"/>
+            <a:ext cx="8282262" cy="3445421"/>
+          </a:xfrm>
+          <a:prstGeom prst="rect">
+            <a:avLst/>
+          </a:prstGeom>
+        </p:spPr>
+      </p:pic>
     </p:spTree>
     <p:extLst>
       <p:ext uri="{BB962C8B-B14F-4D97-AF65-F5344CB8AC3E}">
-        <p14:creationId xmlns:p14="http://schemas.microsoft.com/office/powerpoint/2010/main" val="3783654836"/>
+        <p14:creationId xmlns:p14="http://schemas.microsoft.com/office/powerpoint/2010/main" val="3669247422"/>
       </p:ext>
     </p:extLst>
   </p:cSld>
@@ -5397,67 +5485,6 @@
 </file>
 
 <file path=ppt/slides/slide7.xml><?xml version="1.0" encoding="utf-8"?>
-<p:sld xmlns:a="http://schemas.openxmlformats.org/drawingml/2006/main" xmlns:r="http://schemas.openxmlformats.org/officeDocument/2006/relationships" xmlns:p="http://schemas.openxmlformats.org/presentationml/2006/main">
-  <p:cSld>
-    <p:spTree>
-      <p:nvGrpSpPr>
-        <p:cNvPr id="1" name=""/>
-        <p:cNvGrpSpPr/>
-        <p:nvPr/>
-      </p:nvGrpSpPr>
-      <p:grpSpPr>
-        <a:xfrm>
-          <a:off x="0" y="0"/>
-          <a:ext cx="0" cy="0"/>
-          <a:chOff x="0" y="0"/>
-          <a:chExt cx="0" cy="0"/>
-        </a:xfrm>
-      </p:grpSpPr>
-      <p:sp>
-        <p:nvSpPr>
-          <p:cNvPr id="4" name="Title 3"/>
-          <p:cNvSpPr>
-            <a:spLocks noGrp="1"/>
-          </p:cNvSpPr>
-          <p:nvPr>
-            <p:ph type="ctrTitle"/>
-          </p:nvPr>
-        </p:nvSpPr>
-        <p:spPr/>
-        <p:txBody>
-          <a:bodyPr/>
-          <a:lstStyle/>
-          <a:p>
-            <a:r>
-              <a:rPr lang="en-US" dirty="0" smtClean="0"/>
-              <a:t>SOAP </a:t>
-            </a:r>
-            <a:r>
-              <a:rPr lang="en-US" dirty="0" err="1" smtClean="0"/>
-              <a:t>vs</a:t>
-            </a:r>
-            <a:r>
-              <a:rPr lang="en-US" dirty="0" smtClean="0"/>
-              <a:t> REST?</a:t>
-            </a:r>
-            <a:endParaRPr lang="en-US" dirty="0"/>
-          </a:p>
-        </p:txBody>
-      </p:sp>
-    </p:spTree>
-    <p:extLst>
-      <p:ext uri="{BB962C8B-B14F-4D97-AF65-F5344CB8AC3E}">
-        <p14:creationId xmlns:p14="http://schemas.microsoft.com/office/powerpoint/2010/main" val="2665008053"/>
-      </p:ext>
-    </p:extLst>
-  </p:cSld>
-  <p:clrMapOvr>
-    <a:masterClrMapping/>
-  </p:clrMapOvr>
-</p:sld>
-</file>
-
-<file path=ppt/slides/slide8.xml><?xml version="1.0" encoding="utf-8"?>
 <p:sld xmlns:a="http://schemas.openxmlformats.org/drawingml/2006/main" xmlns:r="http://schemas.openxmlformats.org/officeDocument/2006/relationships" xmlns:p="http://schemas.openxmlformats.org/presentationml/2006/main">
   <p:cSld>
     <p:spTree>
@@ -5511,6 +5538,100 @@
 </p:sld>
 </file>
 
+<file path=ppt/slides/slide8.xml><?xml version="1.0" encoding="utf-8"?>
+<p:sld xmlns:a="http://schemas.openxmlformats.org/drawingml/2006/main" xmlns:r="http://schemas.openxmlformats.org/officeDocument/2006/relationships" xmlns:p="http://schemas.openxmlformats.org/presentationml/2006/main">
+  <p:cSld>
+    <p:spTree>
+      <p:nvGrpSpPr>
+        <p:cNvPr id="1" name=""/>
+        <p:cNvGrpSpPr/>
+        <p:nvPr/>
+      </p:nvGrpSpPr>
+      <p:grpSpPr>
+        <a:xfrm>
+          <a:off x="0" y="0"/>
+          <a:ext cx="0" cy="0"/>
+          <a:chOff x="0" y="0"/>
+          <a:chExt cx="0" cy="0"/>
+        </a:xfrm>
+      </p:grpSpPr>
+      <p:sp>
+        <p:nvSpPr>
+          <p:cNvPr id="2" name="Title 1"/>
+          <p:cNvSpPr>
+            <a:spLocks noGrp="1"/>
+          </p:cNvSpPr>
+          <p:nvPr>
+            <p:ph type="title"/>
+          </p:nvPr>
+        </p:nvSpPr>
+        <p:spPr/>
+        <p:txBody>
+          <a:bodyPr/>
+          <a:lstStyle/>
+          <a:p>
+            <a:r>
+              <a:rPr lang="en-US" dirty="0" smtClean="0"/>
+              <a:t>Design Governance</a:t>
+            </a:r>
+            <a:endParaRPr lang="en-US" dirty="0"/>
+          </a:p>
+        </p:txBody>
+      </p:sp>
+      <p:sp>
+        <p:nvSpPr>
+          <p:cNvPr id="3" name="Content Placeholder 2"/>
+          <p:cNvSpPr>
+            <a:spLocks noGrp="1"/>
+          </p:cNvSpPr>
+          <p:nvPr>
+            <p:ph idx="1"/>
+          </p:nvPr>
+        </p:nvSpPr>
+        <p:spPr/>
+        <p:txBody>
+          <a:bodyPr/>
+          <a:lstStyle/>
+          <a:p>
+            <a:r>
+              <a:rPr lang="en-US" dirty="0" smtClean="0"/>
+              <a:t>Interfacing SOA into the build/test/production</a:t>
+            </a:r>
+          </a:p>
+          <a:p>
+            <a:r>
+              <a:rPr lang="en-US" dirty="0" smtClean="0"/>
+              <a:t>Encouraging Service Re-Use</a:t>
+            </a:r>
+          </a:p>
+          <a:p>
+            <a:r>
+              <a:rPr lang="en-US" dirty="0" smtClean="0"/>
+              <a:t>Lifecycle and Dependency Management</a:t>
+            </a:r>
+          </a:p>
+          <a:p>
+            <a:r>
+              <a:rPr lang="en-US" dirty="0" smtClean="0"/>
+              <a:t>Notification</a:t>
+            </a:r>
+            <a:endParaRPr lang="en-US" dirty="0"/>
+          </a:p>
+        </p:txBody>
+      </p:sp>
+    </p:spTree>
+    <p:extLst>
+      <p:ext uri="{BB962C8B-B14F-4D97-AF65-F5344CB8AC3E}">
+        <p14:creationId xmlns:p14="http://schemas.microsoft.com/office/powerpoint/2010/main" val="1299873273"/>
+      </p:ext>
+    </p:extLst>
+  </p:cSld>
+  <p:clrMapOvr>
+    <a:masterClrMapping/>
+  </p:clrMapOvr>
+</p:sld>
+</file>
+
 <file path=ppt/slides/slide9.xml><?xml version="1.0" encoding="utf-8"?>
 <p:sld xmlns:a="http://schemas.openxmlformats.org/drawingml/2006/main" xmlns:r="http://schemas.openxmlformats.org/officeDocument/2006/relationships" xmlns:p="http://schemas.openxmlformats.org/presentationml/2006/main">
   <p:cSld>
@@ -5545,7 +5666,7 @@
           <a:p>
             <a:r>
               <a:rPr lang="en-US" dirty="0" smtClean="0"/>
-              <a:t>Design Governance</a:t>
+              <a:t>Runtime Governance</a:t>
             </a:r>
             <a:endParaRPr lang="en-US" dirty="0"/>
           </a:p>
@@ -5568,26 +5689,31 @@
           <a:p>
             <a:r>
               <a:rPr lang="en-US" dirty="0" smtClean="0"/>
-              <a:t>Interfacing SOA into the build/test/production</a:t>
-            </a:r>
-          </a:p>
-          <a:p>
-            <a:r>
-              <a:rPr lang="en-US" dirty="0" smtClean="0"/>
-              <a:t>Encouraging Service Re-Use</a:t>
-            </a:r>
-          </a:p>
-          <a:p>
-            <a:r>
-              <a:rPr lang="en-US" dirty="0" smtClean="0"/>
-              <a:t>Lifecycle and Dependency Management</a:t>
-            </a:r>
-          </a:p>
-          <a:p>
-            <a:r>
-              <a:rPr lang="en-US" dirty="0" smtClean="0"/>
-              <a:t>Notification</a:t>
-            </a:r>
+              <a:t>Monitoring</a:t>
+            </a:r>
+          </a:p>
+          <a:p>
+            <a:r>
+              <a:rPr lang="en-US" dirty="0" smtClean="0"/>
+              <a:t>SLA management</a:t>
+            </a:r>
+          </a:p>
+          <a:p>
+            <a:r>
+              <a:rPr lang="en-US" dirty="0" smtClean="0"/>
+              <a:t>Correlation of activities into flows</a:t>
+            </a:r>
+          </a:p>
+          <a:p>
+            <a:r>
+              <a:rPr lang="en-US" dirty="0" smtClean="0"/>
+              <a:t>How do you maintain a running application when it depends on 10s, 100s or 1000s of remote services?</a:t>
+            </a:r>
+          </a:p>
+          <a:p>
+            <a:pPr marL="0" indent="0">
+              <a:buNone/>
+            </a:pPr>
             <a:endParaRPr lang="en-US" dirty="0"/>
           </a:p>
         </p:txBody>
@@ -5595,7 +5721,7 @@
     </p:spTree>
     <p:extLst>
       <p:ext uri="{BB962C8B-B14F-4D97-AF65-F5344CB8AC3E}">
-        <p14:creationId xmlns:p14="http://schemas.microsoft.com/office/powerpoint/2010/main" val="1299873273"/>
+        <p14:creationId xmlns:p14="http://schemas.microsoft.com/office/powerpoint/2010/main" val="4187341838"/>
       </p:ext>
     </p:extLst>
   </p:cSld>

--- a/presentation-source/15-Conclusions.pptx
+++ b/presentation-source/15-Conclusions.pptx
@@ -216,7 +216,7 @@
             <a:fld id="{7307762F-A706-E543-A832-3C298AA3103F}" type="datetimeFigureOut">
               <a:rPr lang="en-US" smtClean="0"/>
               <a:pPr/>
-              <a:t>10/06/16</a:t>
+              <a:t>07/05/17</a:t>
             </a:fld>
             <a:endParaRPr lang="en-US" dirty="0"/>
           </a:p>
@@ -783,7 +783,7 @@
           <a:p>
             <a:fld id="{875CF0EB-321F-0749-B37A-89BBA859503C}" type="datetimeFigureOut">
               <a:rPr lang="en-US" smtClean="0"/>
-              <a:t>10/06/16</a:t>
+              <a:t>07/05/17</a:t>
             </a:fld>
             <a:endParaRPr lang="en-US"/>
           </a:p>
@@ -987,7 +987,7 @@
           <a:p>
             <a:fld id="{875CF0EB-321F-0749-B37A-89BBA859503C}" type="datetimeFigureOut">
               <a:rPr lang="en-US" smtClean="0"/>
-              <a:t>10/06/16</a:t>
+              <a:t>07/05/17</a:t>
             </a:fld>
             <a:endParaRPr lang="en-US"/>
           </a:p>
@@ -1181,7 +1181,7 @@
           <a:p>
             <a:fld id="{875CF0EB-321F-0749-B37A-89BBA859503C}" type="datetimeFigureOut">
               <a:rPr lang="en-US" smtClean="0"/>
-              <a:t>10/06/16</a:t>
+              <a:t>07/05/17</a:t>
             </a:fld>
             <a:endParaRPr lang="en-US"/>
           </a:p>
@@ -1451,7 +1451,7 @@
           <a:p>
             <a:fld id="{875CF0EB-321F-0749-B37A-89BBA859503C}" type="datetimeFigureOut">
               <a:rPr lang="en-US" smtClean="0"/>
-              <a:t>10/06/16</a:t>
+              <a:t>07/05/17</a:t>
             </a:fld>
             <a:endParaRPr lang="en-US"/>
           </a:p>
@@ -1763,7 +1763,7 @@
           <a:p>
             <a:fld id="{875CF0EB-321F-0749-B37A-89BBA859503C}" type="datetimeFigureOut">
               <a:rPr lang="en-US" smtClean="0"/>
-              <a:t>10/06/16</a:t>
+              <a:t>07/05/17</a:t>
             </a:fld>
             <a:endParaRPr lang="en-US"/>
           </a:p>
@@ -2209,7 +2209,7 @@
           <a:p>
             <a:fld id="{875CF0EB-321F-0749-B37A-89BBA859503C}" type="datetimeFigureOut">
               <a:rPr lang="en-US" smtClean="0"/>
-              <a:t>10/06/16</a:t>
+              <a:t>07/05/17</a:t>
             </a:fld>
             <a:endParaRPr lang="en-US"/>
           </a:p>
@@ -2351,7 +2351,7 @@
           <a:p>
             <a:fld id="{875CF0EB-321F-0749-B37A-89BBA859503C}" type="datetimeFigureOut">
               <a:rPr lang="en-US" smtClean="0"/>
-              <a:t>10/06/16</a:t>
+              <a:t>07/05/17</a:t>
             </a:fld>
             <a:endParaRPr lang="en-US"/>
           </a:p>
@@ -2470,7 +2470,7 @@
           <a:p>
             <a:fld id="{875CF0EB-321F-0749-B37A-89BBA859503C}" type="datetimeFigureOut">
               <a:rPr lang="en-US" smtClean="0"/>
-              <a:t>10/06/16</a:t>
+              <a:t>07/05/17</a:t>
             </a:fld>
             <a:endParaRPr lang="en-US"/>
           </a:p>
@@ -2771,7 +2771,7 @@
           <a:p>
             <a:fld id="{875CF0EB-321F-0749-B37A-89BBA859503C}" type="datetimeFigureOut">
               <a:rPr lang="en-US" smtClean="0"/>
-              <a:t>10/06/16</a:t>
+              <a:t>07/05/17</a:t>
             </a:fld>
             <a:endParaRPr lang="en-US"/>
           </a:p>
@@ -3048,7 +3048,7 @@
           <a:p>
             <a:fld id="{875CF0EB-321F-0749-B37A-89BBA859503C}" type="datetimeFigureOut">
               <a:rPr lang="en-US" smtClean="0"/>
-              <a:t>10/06/16</a:t>
+              <a:t>07/05/17</a:t>
             </a:fld>
             <a:endParaRPr lang="en-US"/>
           </a:p>
@@ -3428,19 +3428,7 @@
               <a:rPr lang="en-US" sz="700" dirty="0" smtClean="0">
                 <a:latin typeface="Montserrat"/>
               </a:rPr>
-              <a:t>© Paul Fremantle </a:t>
-            </a:r>
-            <a:r>
-              <a:rPr lang="en-US" sz="700" dirty="0" smtClean="0">
-                <a:latin typeface="Montserrat"/>
-              </a:rPr>
-              <a:t>2016 except where credited elsewhere. </a:t>
-            </a:r>
-            <a:r>
-              <a:rPr lang="en-US" sz="700" dirty="0" smtClean="0">
-                <a:latin typeface="Montserrat"/>
-              </a:rPr>
-              <a:t> This work is licensed under a Creative Commons</a:t>
+              <a:t>© Paul Fremantle 2016 except where credited elsewhere.  This work is licensed under a Creative Commons</a:t>
             </a:r>
           </a:p>
           <a:p>
@@ -3878,11 +3866,11 @@
           </a:p>
           <a:p>
             <a:r>
-              <a:rPr lang="en-US" dirty="0" smtClean="0">
+              <a:rPr lang="en-US" smtClean="0">
                 <a:ea typeface="ヒラギノ角ゴ ProN W3" charset="0"/>
                 <a:cs typeface="ヒラギノ角ゴ ProN W3" charset="0"/>
               </a:rPr>
-              <a:t>June 2016</a:t>
+              <a:t>May 2017</a:t>
             </a:r>
             <a:endParaRPr lang="en-US" dirty="0">
               <a:ea typeface="ヒラギノ角ゴ ProN W3" charset="0"/>

--- a/presentation-source/15-Conclusions.pptx
+++ b/presentation-source/15-Conclusions.pptx
@@ -216,7 +216,7 @@
             <a:fld id="{7307762F-A706-E543-A832-3C298AA3103F}" type="datetimeFigureOut">
               <a:rPr lang="en-US" smtClean="0"/>
               <a:pPr/>
-              <a:t>07/05/17</a:t>
+              <a:t>26/05/17</a:t>
             </a:fld>
             <a:endParaRPr lang="en-US" dirty="0"/>
           </a:p>
@@ -783,7 +783,7 @@
           <a:p>
             <a:fld id="{875CF0EB-321F-0749-B37A-89BBA859503C}" type="datetimeFigureOut">
               <a:rPr lang="en-US" smtClean="0"/>
-              <a:t>07/05/17</a:t>
+              <a:t>26/05/17</a:t>
             </a:fld>
             <a:endParaRPr lang="en-US"/>
           </a:p>
@@ -987,7 +987,7 @@
           <a:p>
             <a:fld id="{875CF0EB-321F-0749-B37A-89BBA859503C}" type="datetimeFigureOut">
               <a:rPr lang="en-US" smtClean="0"/>
-              <a:t>07/05/17</a:t>
+              <a:t>26/05/17</a:t>
             </a:fld>
             <a:endParaRPr lang="en-US"/>
           </a:p>
@@ -1181,7 +1181,7 @@
           <a:p>
             <a:fld id="{875CF0EB-321F-0749-B37A-89BBA859503C}" type="datetimeFigureOut">
               <a:rPr lang="en-US" smtClean="0"/>
-              <a:t>07/05/17</a:t>
+              <a:t>26/05/17</a:t>
             </a:fld>
             <a:endParaRPr lang="en-US"/>
           </a:p>
@@ -1451,7 +1451,7 @@
           <a:p>
             <a:fld id="{875CF0EB-321F-0749-B37A-89BBA859503C}" type="datetimeFigureOut">
               <a:rPr lang="en-US" smtClean="0"/>
-              <a:t>07/05/17</a:t>
+              <a:t>26/05/17</a:t>
             </a:fld>
             <a:endParaRPr lang="en-US"/>
           </a:p>
@@ -1763,7 +1763,7 @@
           <a:p>
             <a:fld id="{875CF0EB-321F-0749-B37A-89BBA859503C}" type="datetimeFigureOut">
               <a:rPr lang="en-US" smtClean="0"/>
-              <a:t>07/05/17</a:t>
+              <a:t>26/05/17</a:t>
             </a:fld>
             <a:endParaRPr lang="en-US"/>
           </a:p>
@@ -2209,7 +2209,7 @@
           <a:p>
             <a:fld id="{875CF0EB-321F-0749-B37A-89BBA859503C}" type="datetimeFigureOut">
               <a:rPr lang="en-US" smtClean="0"/>
-              <a:t>07/05/17</a:t>
+              <a:t>26/05/17</a:t>
             </a:fld>
             <a:endParaRPr lang="en-US"/>
           </a:p>
@@ -2351,7 +2351,7 @@
           <a:p>
             <a:fld id="{875CF0EB-321F-0749-B37A-89BBA859503C}" type="datetimeFigureOut">
               <a:rPr lang="en-US" smtClean="0"/>
-              <a:t>07/05/17</a:t>
+              <a:t>26/05/17</a:t>
             </a:fld>
             <a:endParaRPr lang="en-US"/>
           </a:p>
@@ -2470,7 +2470,7 @@
           <a:p>
             <a:fld id="{875CF0EB-321F-0749-B37A-89BBA859503C}" type="datetimeFigureOut">
               <a:rPr lang="en-US" smtClean="0"/>
-              <a:t>07/05/17</a:t>
+              <a:t>26/05/17</a:t>
             </a:fld>
             <a:endParaRPr lang="en-US"/>
           </a:p>
@@ -2771,7 +2771,7 @@
           <a:p>
             <a:fld id="{875CF0EB-321F-0749-B37A-89BBA859503C}" type="datetimeFigureOut">
               <a:rPr lang="en-US" smtClean="0"/>
-              <a:t>07/05/17</a:t>
+              <a:t>26/05/17</a:t>
             </a:fld>
             <a:endParaRPr lang="en-US"/>
           </a:p>
@@ -3048,7 +3048,7 @@
           <a:p>
             <a:fld id="{875CF0EB-321F-0749-B37A-89BBA859503C}" type="datetimeFigureOut">
               <a:rPr lang="en-US" smtClean="0"/>
-              <a:t>07/05/17</a:t>
+              <a:t>26/05/17</a:t>
             </a:fld>
             <a:endParaRPr lang="en-US"/>
           </a:p>
@@ -4016,6 +4016,13 @@
   <p:clrMapOvr>
     <a:masterClrMapping/>
   </p:clrMapOvr>
+  <p:timing>
+    <p:tnLst>
+      <p:par>
+        <p:cTn xmlns:p14="http://schemas.microsoft.com/office/powerpoint/2010/main" id="1" dur="indefinite" restart="never" nodeType="tmRoot"/>
+      </p:par>
+    </p:tnLst>
+  </p:timing>
 </p:sld>
 </file>
 
@@ -4052,7 +4059,7 @@
         </p:blipFill>
         <p:spPr>
           <a:xfrm>
-            <a:off x="0" y="990600"/>
+            <a:off x="19538" y="990600"/>
             <a:ext cx="9144000" cy="4869180"/>
           </a:xfrm>
           <a:prstGeom prst="rect">
@@ -4069,7 +4076,7 @@
         <p:spPr>
           <a:xfrm>
             <a:off x="359473" y="5807561"/>
-            <a:ext cx="1512967" cy="369332"/>
+            <a:ext cx="1351652" cy="369332"/>
           </a:xfrm>
           <a:prstGeom prst="rect">
             <a:avLst/>
@@ -4087,8 +4094,8 @@
               <a:t>Source: </a:t>
             </a:r>
             <a:r>
-              <a:rPr lang="en-US" dirty="0" err="1" smtClean="0"/>
-              <a:t>PwCw</a:t>
+              <a:rPr lang="en-US" dirty="0" smtClean="0"/>
+              <a:t>PwC</a:t>
             </a:r>
             <a:endParaRPr lang="en-US" dirty="0"/>
           </a:p>
@@ -4104,6 +4111,13 @@
   <p:clrMapOvr>
     <a:masterClrMapping/>
   </p:clrMapOvr>
+  <p:timing>
+    <p:tnLst>
+      <p:par>
+        <p:cTn xmlns:p14="http://schemas.microsoft.com/office/powerpoint/2010/main" id="1" dur="indefinite" restart="never" nodeType="tmRoot"/>
+      </p:par>
+    </p:tnLst>
+  </p:timing>
 </p:sld>
 </file>
 
@@ -4207,6 +4221,13 @@
   <p:clrMapOvr>
     <a:masterClrMapping/>
   </p:clrMapOvr>
+  <p:timing>
+    <p:tnLst>
+      <p:par>
+        <p:cTn xmlns:p14="http://schemas.microsoft.com/office/powerpoint/2010/main" id="1" dur="indefinite" restart="never" nodeType="tmRoot"/>
+      </p:par>
+    </p:tnLst>
+  </p:timing>
 </p:sld>
 </file>
 
@@ -4343,6 +4364,13 @@
   <p:clrMapOvr>
     <a:masterClrMapping/>
   </p:clrMapOvr>
+  <p:timing>
+    <p:tnLst>
+      <p:par>
+        <p:cTn xmlns:p14="http://schemas.microsoft.com/office/powerpoint/2010/main" id="1" dur="indefinite" restart="never" nodeType="tmRoot"/>
+      </p:par>
+    </p:tnLst>
+  </p:timing>
 </p:sld>
 </file>
 
@@ -4438,6 +4466,13 @@
   <p:clrMapOvr>
     <a:masterClrMapping/>
   </p:clrMapOvr>
+  <p:timing>
+    <p:tnLst>
+      <p:par>
+        <p:cTn xmlns:p14="http://schemas.microsoft.com/office/powerpoint/2010/main" id="1" dur="indefinite" restart="never" nodeType="tmRoot"/>
+      </p:par>
+    </p:tnLst>
+  </p:timing>
 </p:sld>
 </file>
 
@@ -4614,6 +4649,13 @@
   <p:clrMapOvr>
     <a:masterClrMapping/>
   </p:clrMapOvr>
+  <p:timing>
+    <p:tnLst>
+      <p:par>
+        <p:cTn xmlns:p14="http://schemas.microsoft.com/office/powerpoint/2010/main" id="1" dur="indefinite" restart="never" nodeType="tmRoot"/>
+      </p:par>
+    </p:tnLst>
+  </p:timing>
 </p:sld>
 </file>
 
@@ -4713,6 +4755,13 @@
   <p:clrMapOvr>
     <a:masterClrMapping/>
   </p:clrMapOvr>
+  <p:timing>
+    <p:tnLst>
+      <p:par>
+        <p:cTn xmlns:p14="http://schemas.microsoft.com/office/powerpoint/2010/main" id="1" dur="indefinite" restart="never" nodeType="tmRoot"/>
+      </p:par>
+    </p:tnLst>
+  </p:timing>
 </p:sld>
 </file>
 
@@ -4767,6 +4816,13 @@
   <p:clrMapOvr>
     <a:masterClrMapping/>
   </p:clrMapOvr>
+  <p:timing>
+    <p:tnLst>
+      <p:par>
+        <p:cTn xmlns:p14="http://schemas.microsoft.com/office/powerpoint/2010/main" id="1" dur="indefinite" restart="never" nodeType="tmRoot"/>
+      </p:par>
+    </p:tnLst>
+  </p:timing>
 </p:sld>
 </file>
 
@@ -4852,6 +4908,13 @@
   <p:clrMapOvr>
     <a:masterClrMapping/>
   </p:clrMapOvr>
+  <p:timing>
+    <p:tnLst>
+      <p:par>
+        <p:cTn xmlns:p14="http://schemas.microsoft.com/office/powerpoint/2010/main" id="1" dur="indefinite" restart="never" nodeType="tmRoot"/>
+      </p:par>
+    </p:tnLst>
+  </p:timing>
 </p:sld>
 </file>
 
@@ -4905,6 +4968,13 @@
   <p:clrMapOvr>
     <a:masterClrMapping/>
   </p:clrMapOvr>
+  <p:timing>
+    <p:tnLst>
+      <p:par>
+        <p:cTn xmlns:p14="http://schemas.microsoft.com/office/powerpoint/2010/main" id="1" dur="indefinite" restart="never" nodeType="tmRoot"/>
+      </p:par>
+    </p:tnLst>
+  </p:timing>
 </p:sld>
 </file>
 
@@ -5105,6 +5175,13 @@
   <p:clrMapOvr>
     <a:masterClrMapping/>
   </p:clrMapOvr>
+  <p:timing>
+    <p:tnLst>
+      <p:par>
+        <p:cTn xmlns:p14="http://schemas.microsoft.com/office/powerpoint/2010/main" id="1" dur="indefinite" restart="never" nodeType="tmRoot"/>
+      </p:par>
+    </p:tnLst>
+  </p:timing>
 </p:sld>
 </file>
 
@@ -5315,6 +5392,13 @@
   <p:clrMapOvr>
     <a:masterClrMapping/>
   </p:clrMapOvr>
+  <p:timing>
+    <p:tnLst>
+      <p:par>
+        <p:cTn xmlns:p14="http://schemas.microsoft.com/office/powerpoint/2010/main" id="1" dur="indefinite" restart="never" nodeType="tmRoot"/>
+      </p:par>
+    </p:tnLst>
+  </p:timing>
 </p:sld>
 </file>
 
@@ -5392,6 +5476,13 @@
   <p:clrMapOvr>
     <a:masterClrMapping/>
   </p:clrMapOvr>
+  <p:timing>
+    <p:tnLst>
+      <p:par>
+        <p:cTn xmlns:p14="http://schemas.microsoft.com/office/powerpoint/2010/main" id="1" dur="indefinite" restart="never" nodeType="tmRoot"/>
+      </p:par>
+    </p:tnLst>
+  </p:timing>
 </p:sld>
 </file>
 
@@ -5469,6 +5560,13 @@
   <p:clrMapOvr>
     <a:masterClrMapping/>
   </p:clrMapOvr>
+  <p:timing>
+    <p:tnLst>
+      <p:par>
+        <p:cTn xmlns:p14="http://schemas.microsoft.com/office/powerpoint/2010/main" id="1" dur="indefinite" restart="never" nodeType="tmRoot"/>
+      </p:par>
+    </p:tnLst>
+  </p:timing>
 </p:sld>
 </file>
 
@@ -5523,6 +5621,13 @@
   <p:clrMapOvr>
     <a:masterClrMapping/>
   </p:clrMapOvr>
+  <p:timing>
+    <p:tnLst>
+      <p:par>
+        <p:cTn xmlns:p14="http://schemas.microsoft.com/office/powerpoint/2010/main" id="1" dur="indefinite" restart="never" nodeType="tmRoot"/>
+      </p:par>
+    </p:tnLst>
+  </p:timing>
 </p:sld>
 </file>
 
@@ -5617,6 +5722,13 @@
   <p:clrMapOvr>
     <a:masterClrMapping/>
   </p:clrMapOvr>
+  <p:timing>
+    <p:tnLst>
+      <p:par>
+        <p:cTn xmlns:p14="http://schemas.microsoft.com/office/powerpoint/2010/main" id="1" dur="indefinite" restart="never" nodeType="tmRoot"/>
+      </p:par>
+    </p:tnLst>
+  </p:timing>
 </p:sld>
 </file>
 
@@ -5716,6 +5828,13 @@
   <p:clrMapOvr>
     <a:masterClrMapping/>
   </p:clrMapOvr>
+  <p:timing>
+    <p:tnLst>
+      <p:par>
+        <p:cTn xmlns:p14="http://schemas.microsoft.com/office/powerpoint/2010/main" id="1" dur="indefinite" restart="never" nodeType="tmRoot"/>
+      </p:par>
+    </p:tnLst>
+  </p:timing>
 </p:sld>
 </file>
 

--- a/presentation-source/15-Conclusions.pptx
+++ b/presentation-source/15-Conclusions.pptx
@@ -216,7 +216,7 @@
             <a:fld id="{7307762F-A706-E543-A832-3C298AA3103F}" type="datetimeFigureOut">
               <a:rPr lang="en-US" smtClean="0"/>
               <a:pPr/>
-              <a:t>26/05/17</a:t>
+              <a:t>19/12/17</a:t>
             </a:fld>
             <a:endParaRPr lang="en-US" dirty="0"/>
           </a:p>
@@ -783,7 +783,7 @@
           <a:p>
             <a:fld id="{875CF0EB-321F-0749-B37A-89BBA859503C}" type="datetimeFigureOut">
               <a:rPr lang="en-US" smtClean="0"/>
-              <a:t>26/05/17</a:t>
+              <a:t>19/12/17</a:t>
             </a:fld>
             <a:endParaRPr lang="en-US"/>
           </a:p>
@@ -987,7 +987,7 @@
           <a:p>
             <a:fld id="{875CF0EB-321F-0749-B37A-89BBA859503C}" type="datetimeFigureOut">
               <a:rPr lang="en-US" smtClean="0"/>
-              <a:t>26/05/17</a:t>
+              <a:t>19/12/17</a:t>
             </a:fld>
             <a:endParaRPr lang="en-US"/>
           </a:p>
@@ -1181,7 +1181,7 @@
           <a:p>
             <a:fld id="{875CF0EB-321F-0749-B37A-89BBA859503C}" type="datetimeFigureOut">
               <a:rPr lang="en-US" smtClean="0"/>
-              <a:t>26/05/17</a:t>
+              <a:t>19/12/17</a:t>
             </a:fld>
             <a:endParaRPr lang="en-US"/>
           </a:p>
@@ -1451,7 +1451,7 @@
           <a:p>
             <a:fld id="{875CF0EB-321F-0749-B37A-89BBA859503C}" type="datetimeFigureOut">
               <a:rPr lang="en-US" smtClean="0"/>
-              <a:t>26/05/17</a:t>
+              <a:t>19/12/17</a:t>
             </a:fld>
             <a:endParaRPr lang="en-US"/>
           </a:p>
@@ -1763,7 +1763,7 @@
           <a:p>
             <a:fld id="{875CF0EB-321F-0749-B37A-89BBA859503C}" type="datetimeFigureOut">
               <a:rPr lang="en-US" smtClean="0"/>
-              <a:t>26/05/17</a:t>
+              <a:t>19/12/17</a:t>
             </a:fld>
             <a:endParaRPr lang="en-US"/>
           </a:p>
@@ -2209,7 +2209,7 @@
           <a:p>
             <a:fld id="{875CF0EB-321F-0749-B37A-89BBA859503C}" type="datetimeFigureOut">
               <a:rPr lang="en-US" smtClean="0"/>
-              <a:t>26/05/17</a:t>
+              <a:t>19/12/17</a:t>
             </a:fld>
             <a:endParaRPr lang="en-US"/>
           </a:p>
@@ -2351,7 +2351,7 @@
           <a:p>
             <a:fld id="{875CF0EB-321F-0749-B37A-89BBA859503C}" type="datetimeFigureOut">
               <a:rPr lang="en-US" smtClean="0"/>
-              <a:t>26/05/17</a:t>
+              <a:t>19/12/17</a:t>
             </a:fld>
             <a:endParaRPr lang="en-US"/>
           </a:p>
@@ -2470,7 +2470,7 @@
           <a:p>
             <a:fld id="{875CF0EB-321F-0749-B37A-89BBA859503C}" type="datetimeFigureOut">
               <a:rPr lang="en-US" smtClean="0"/>
-              <a:t>26/05/17</a:t>
+              <a:t>19/12/17</a:t>
             </a:fld>
             <a:endParaRPr lang="en-US"/>
           </a:p>
@@ -2771,7 +2771,7 @@
           <a:p>
             <a:fld id="{875CF0EB-321F-0749-B37A-89BBA859503C}" type="datetimeFigureOut">
               <a:rPr lang="en-US" smtClean="0"/>
-              <a:t>26/05/17</a:t>
+              <a:t>19/12/17</a:t>
             </a:fld>
             <a:endParaRPr lang="en-US"/>
           </a:p>
@@ -3048,7 +3048,7 @@
           <a:p>
             <a:fld id="{875CF0EB-321F-0749-B37A-89BBA859503C}" type="datetimeFigureOut">
               <a:rPr lang="en-US" smtClean="0"/>
-              <a:t>26/05/17</a:t>
+              <a:t>19/12/17</a:t>
             </a:fld>
             <a:endParaRPr lang="en-US"/>
           </a:p>
@@ -3866,11 +3866,11 @@
           </a:p>
           <a:p>
             <a:r>
-              <a:rPr lang="en-US" smtClean="0">
+              <a:rPr lang="en-US" dirty="0" smtClean="0">
                 <a:ea typeface="ヒラギノ角ゴ ProN W3" charset="0"/>
                 <a:cs typeface="ヒラギノ角ゴ ProN W3" charset="0"/>
               </a:rPr>
-              <a:t>May 2017</a:t>
+              <a:t>January 2018</a:t>
             </a:r>
             <a:endParaRPr lang="en-US" dirty="0">
               <a:ea typeface="ヒラギノ角ゴ ProN W3" charset="0"/>
@@ -4091,11 +4091,7 @@
           <a:p>
             <a:r>
               <a:rPr lang="en-US" dirty="0" smtClean="0"/>
-              <a:t>Source: </a:t>
-            </a:r>
-            <a:r>
-              <a:rPr lang="en-US" dirty="0" smtClean="0"/>
-              <a:t>PwC</a:t>
+              <a:t>Source: PwC</a:t>
             </a:r>
             <a:endParaRPr lang="en-US" dirty="0"/>
           </a:p>
